--- a/docs/proyecto-e1.pptx
+++ b/docs/proyecto-e1.pptx
@@ -6,10 +6,12 @@
   </p:sldMasterIdLst>
   <p:sldIdLst>
     <p:sldId id="257" r:id="rId2"/>
-    <p:sldId id="258" r:id="rId3"/>
-    <p:sldId id="259" r:id="rId4"/>
-    <p:sldId id="261" r:id="rId5"/>
-    <p:sldId id="262" r:id="rId6"/>
+    <p:sldId id="261" r:id="rId3"/>
+    <p:sldId id="266" r:id="rId4"/>
+    <p:sldId id="263" r:id="rId5"/>
+    <p:sldId id="264" r:id="rId6"/>
+    <p:sldId id="265" r:id="rId7"/>
+    <p:sldId id="262" r:id="rId8"/>
   </p:sldIdLst>
   <p:sldSz cx="12192000" cy="6858000"/>
   <p:notesSz cx="6858000" cy="9144000"/>
@@ -108,7 +110,181 @@
       </a:defRPr>
     </a:lvl9pPr>
   </p:defaultTextStyle>
+  <p:extLst>
+    <p:ext uri="{EFAFB233-063F-42B5-8137-9DF3F51BA10A}">
+      <p15:sldGuideLst xmlns:p15="http://schemas.microsoft.com/office/powerpoint/2012/main"/>
+    </p:ext>
+  </p:extLst>
 </p:presentation>
+</file>
+
+<file path=ppt/revisionInfo.xml><?xml version="1.0" encoding="utf-8"?>
+<p1510:revInfo xmlns:a="http://schemas.openxmlformats.org/drawingml/2006/main" xmlns:r="http://schemas.openxmlformats.org/officeDocument/2006/relationships" xmlns:p1510="http://schemas.microsoft.com/office/powerpoint/2015/10/main">
+  <p1510:revLst>
+    <p1510:client id="{C2A8C06E-3AEC-48C5-8065-0490D60945FE}" v="3" dt="2023-11-25T14:22:49.624"/>
+  </p1510:revLst>
+</p1510:revInfo>
+</file>
+
+<file path=ppt/changesInfos/changesInfo1.xml><?xml version="1.0" encoding="utf-8"?>
+<pc:chgInfo xmlns:a="http://schemas.openxmlformats.org/drawingml/2006/main" xmlns:r="http://schemas.openxmlformats.org/officeDocument/2006/relationships" xmlns:ac="http://schemas.microsoft.com/office/drawing/2013/main/command" xmlns:pc="http://schemas.microsoft.com/office/powerpoint/2013/main/command">
+  <pc:docChgLst>
+    <pc:chgData name="Abril Vento" userId="3a0a66e6cca967f1" providerId="LiveId" clId="{C2A8C06E-3AEC-48C5-8065-0490D60945FE}"/>
+    <pc:docChg chg="undo custSel addSld delSld modSld sldOrd">
+      <pc:chgData name="Abril Vento" userId="3a0a66e6cca967f1" providerId="LiveId" clId="{C2A8C06E-3AEC-48C5-8065-0490D60945FE}" dt="2023-11-25T14:23:06.551" v="51" actId="47"/>
+      <pc:docMkLst>
+        <pc:docMk/>
+      </pc:docMkLst>
+      <pc:sldChg chg="delSp del">
+        <pc:chgData name="Abril Vento" userId="3a0a66e6cca967f1" providerId="LiveId" clId="{C2A8C06E-3AEC-48C5-8065-0490D60945FE}" dt="2023-11-25T14:23:06.551" v="51" actId="47"/>
+        <pc:sldMkLst>
+          <pc:docMk/>
+          <pc:sldMk cId="3515436832" sldId="259"/>
+        </pc:sldMkLst>
+        <pc:picChg chg="del">
+          <ac:chgData name="Abril Vento" userId="3a0a66e6cca967f1" providerId="LiveId" clId="{C2A8C06E-3AEC-48C5-8065-0490D60945FE}" dt="2023-11-25T02:17:33.661" v="12" actId="478"/>
+          <ac:picMkLst>
+            <pc:docMk/>
+            <pc:sldMk cId="3515436832" sldId="259"/>
+            <ac:picMk id="1026" creationId="{D76FD87C-3696-E456-E6FF-B41B519D1422}"/>
+          </ac:picMkLst>
+        </pc:picChg>
+        <pc:picChg chg="del">
+          <ac:chgData name="Abril Vento" userId="3a0a66e6cca967f1" providerId="LiveId" clId="{C2A8C06E-3AEC-48C5-8065-0490D60945FE}" dt="2023-11-25T02:17:33.661" v="12" actId="478"/>
+          <ac:picMkLst>
+            <pc:docMk/>
+            <pc:sldMk cId="3515436832" sldId="259"/>
+            <ac:picMk id="1028" creationId="{41800B25-3558-9C01-4277-8574B5871775}"/>
+          </ac:picMkLst>
+        </pc:picChg>
+        <pc:picChg chg="del">
+          <ac:chgData name="Abril Vento" userId="3a0a66e6cca967f1" providerId="LiveId" clId="{C2A8C06E-3AEC-48C5-8065-0490D60945FE}" dt="2023-11-25T02:17:33.661" v="12" actId="478"/>
+          <ac:picMkLst>
+            <pc:docMk/>
+            <pc:sldMk cId="3515436832" sldId="259"/>
+            <ac:picMk id="1030" creationId="{4EE7346C-1D3A-BBAF-EFAF-5BCE9DD22A52}"/>
+          </ac:picMkLst>
+        </pc:picChg>
+        <pc:cxnChg chg="del">
+          <ac:chgData name="Abril Vento" userId="3a0a66e6cca967f1" providerId="LiveId" clId="{C2A8C06E-3AEC-48C5-8065-0490D60945FE}" dt="2023-11-25T02:17:33.661" v="12" actId="478"/>
+          <ac:cxnSpMkLst>
+            <pc:docMk/>
+            <pc:sldMk cId="3515436832" sldId="259"/>
+            <ac:cxnSpMk id="7" creationId="{C0EC9095-152C-0019-89A3-6952BE76057A}"/>
+          </ac:cxnSpMkLst>
+        </pc:cxnChg>
+        <pc:cxnChg chg="del">
+          <ac:chgData name="Abril Vento" userId="3a0a66e6cca967f1" providerId="LiveId" clId="{C2A8C06E-3AEC-48C5-8065-0490D60945FE}" dt="2023-11-25T02:17:33.661" v="12" actId="478"/>
+          <ac:cxnSpMkLst>
+            <pc:docMk/>
+            <pc:sldMk cId="3515436832" sldId="259"/>
+            <ac:cxnSpMk id="9" creationId="{9CEC8A4B-18BB-4885-D008-CDC64C7CD1D5}"/>
+          </ac:cxnSpMkLst>
+        </pc:cxnChg>
+        <pc:cxnChg chg="del">
+          <ac:chgData name="Abril Vento" userId="3a0a66e6cca967f1" providerId="LiveId" clId="{C2A8C06E-3AEC-48C5-8065-0490D60945FE}" dt="2023-11-25T02:17:33.661" v="12" actId="478"/>
+          <ac:cxnSpMkLst>
+            <pc:docMk/>
+            <pc:sldMk cId="3515436832" sldId="259"/>
+            <ac:cxnSpMk id="10" creationId="{C39D41C3-D8E7-162B-F638-5915C26BE999}"/>
+          </ac:cxnSpMkLst>
+        </pc:cxnChg>
+      </pc:sldChg>
+      <pc:sldChg chg="addSp modSp new mod">
+        <pc:chgData name="Abril Vento" userId="3a0a66e6cca967f1" providerId="LiveId" clId="{C2A8C06E-3AEC-48C5-8065-0490D60945FE}" dt="2023-11-25T13:48:17.832" v="23" actId="1076"/>
+        <pc:sldMkLst>
+          <pc:docMk/>
+          <pc:sldMk cId="3950801329" sldId="263"/>
+        </pc:sldMkLst>
+        <pc:picChg chg="add mod">
+          <ac:chgData name="Abril Vento" userId="3a0a66e6cca967f1" providerId="LiveId" clId="{C2A8C06E-3AEC-48C5-8065-0490D60945FE}" dt="2023-11-25T13:42:22.686" v="19" actId="1076"/>
+          <ac:picMkLst>
+            <pc:docMk/>
+            <pc:sldMk cId="3950801329" sldId="263"/>
+            <ac:picMk id="5" creationId="{3153C683-4809-E2EC-E125-862355EB6C22}"/>
+          </ac:picMkLst>
+        </pc:picChg>
+        <pc:picChg chg="add mod">
+          <ac:chgData name="Abril Vento" userId="3a0a66e6cca967f1" providerId="LiveId" clId="{C2A8C06E-3AEC-48C5-8065-0490D60945FE}" dt="2023-11-25T13:48:17.832" v="23" actId="1076"/>
+          <ac:picMkLst>
+            <pc:docMk/>
+            <pc:sldMk cId="3950801329" sldId="263"/>
+            <ac:picMk id="7" creationId="{1AB8865F-F2F8-3C00-E281-A1D3C18180DB}"/>
+          </ac:picMkLst>
+        </pc:picChg>
+      </pc:sldChg>
+      <pc:sldChg chg="addSp modSp new mod">
+        <pc:chgData name="Abril Vento" userId="3a0a66e6cca967f1" providerId="LiveId" clId="{C2A8C06E-3AEC-48C5-8065-0490D60945FE}" dt="2023-11-25T13:48:36.183" v="27" actId="1076"/>
+        <pc:sldMkLst>
+          <pc:docMk/>
+          <pc:sldMk cId="181210046" sldId="264"/>
+        </pc:sldMkLst>
+        <pc:picChg chg="add mod">
+          <ac:chgData name="Abril Vento" userId="3a0a66e6cca967f1" providerId="LiveId" clId="{C2A8C06E-3AEC-48C5-8065-0490D60945FE}" dt="2023-11-25T13:48:36.183" v="27" actId="1076"/>
+          <ac:picMkLst>
+            <pc:docMk/>
+            <pc:sldMk cId="181210046" sldId="264"/>
+            <ac:picMk id="5" creationId="{BE5B9425-092D-130D-3D6B-E2008332FD77}"/>
+          </ac:picMkLst>
+        </pc:picChg>
+        <pc:picChg chg="add mod">
+          <ac:chgData name="Abril Vento" userId="3a0a66e6cca967f1" providerId="LiveId" clId="{C2A8C06E-3AEC-48C5-8065-0490D60945FE}" dt="2023-11-25T13:48:32.198" v="26" actId="1076"/>
+          <ac:picMkLst>
+            <pc:docMk/>
+            <pc:sldMk cId="181210046" sldId="264"/>
+            <ac:picMk id="7" creationId="{384FEB2E-3293-369C-D61D-FC9F372D65F2}"/>
+          </ac:picMkLst>
+        </pc:picChg>
+      </pc:sldChg>
+      <pc:sldChg chg="addSp delSp modSp new mod">
+        <pc:chgData name="Abril Vento" userId="3a0a66e6cca967f1" providerId="LiveId" clId="{C2A8C06E-3AEC-48C5-8065-0490D60945FE}" dt="2023-11-25T13:49:00.905" v="34" actId="1076"/>
+        <pc:sldMkLst>
+          <pc:docMk/>
+          <pc:sldMk cId="3334175710" sldId="265"/>
+        </pc:sldMkLst>
+        <pc:picChg chg="add mod">
+          <ac:chgData name="Abril Vento" userId="3a0a66e6cca967f1" providerId="LiveId" clId="{C2A8C06E-3AEC-48C5-8065-0490D60945FE}" dt="2023-11-25T13:49:00.905" v="34" actId="1076"/>
+          <ac:picMkLst>
+            <pc:docMk/>
+            <pc:sldMk cId="3334175710" sldId="265"/>
+            <ac:picMk id="4" creationId="{E4E73079-881C-6FDD-A267-5E2A4F5BE394}"/>
+          </ac:picMkLst>
+        </pc:picChg>
+        <pc:picChg chg="add mod">
+          <ac:chgData name="Abril Vento" userId="3a0a66e6cca967f1" providerId="LiveId" clId="{C2A8C06E-3AEC-48C5-8065-0490D60945FE}" dt="2023-11-25T13:48:51.783" v="30" actId="1076"/>
+          <ac:picMkLst>
+            <pc:docMk/>
+            <pc:sldMk cId="3334175710" sldId="265"/>
+            <ac:picMk id="5" creationId="{9D68BADE-B99E-E9CD-1F04-79F8DA4474A9}"/>
+          </ac:picMkLst>
+        </pc:picChg>
+        <pc:picChg chg="add del">
+          <ac:chgData name="Abril Vento" userId="3a0a66e6cca967f1" providerId="LiveId" clId="{C2A8C06E-3AEC-48C5-8065-0490D60945FE}" dt="2023-11-25T13:48:44.956" v="28" actId="21"/>
+          <ac:picMkLst>
+            <pc:docMk/>
+            <pc:sldMk cId="3334175710" sldId="265"/>
+            <ac:picMk id="7" creationId="{73346485-B2B6-94AB-CCDD-7F7B5F439975}"/>
+          </ac:picMkLst>
+        </pc:picChg>
+      </pc:sldChg>
+      <pc:sldChg chg="addSp modSp new mod ord">
+        <pc:chgData name="Abril Vento" userId="3a0a66e6cca967f1" providerId="LiveId" clId="{C2A8C06E-3AEC-48C5-8065-0490D60945FE}" dt="2023-11-25T14:22:59.694" v="50" actId="20577"/>
+        <pc:sldMkLst>
+          <pc:docMk/>
+          <pc:sldMk cId="386773890" sldId="266"/>
+        </pc:sldMkLst>
+        <pc:spChg chg="add mod">
+          <ac:chgData name="Abril Vento" userId="3a0a66e6cca967f1" providerId="LiveId" clId="{C2A8C06E-3AEC-48C5-8065-0490D60945FE}" dt="2023-11-25T14:22:59.694" v="50" actId="20577"/>
+          <ac:spMkLst>
+            <pc:docMk/>
+            <pc:sldMk cId="386773890" sldId="266"/>
+            <ac:spMk id="4" creationId="{9B3AC863-D0D9-E2BC-F7A3-BE8DF8282E86}"/>
+          </ac:spMkLst>
+        </pc:spChg>
+      </pc:sldChg>
+    </pc:docChg>
+  </pc:docChgLst>
+</pc:chgInfo>
 </file>
 
 <file path=ppt/ink/ink1.xml><?xml version="1.0" encoding="utf-8"?>
@@ -279,62 +455,6 @@
 </inkml:ink>
 </file>
 
-<file path=ppt/ink/ink7.xml><?xml version="1.0" encoding="utf-8"?>
-<inkml:ink xmlns:inkml="http://www.w3.org/2003/InkML">
-  <inkml:definitions>
-    <inkml:context xml:id="ctx0">
-      <inkml:inkSource xml:id="inkSrc0">
-        <inkml:traceFormat>
-          <inkml:channel name="X" type="integer" min="-2.14748E9" max="2.14748E9" units="cm"/>
-          <inkml:channel name="Y" type="integer" min="-2.14748E9" max="2.14748E9" units="cm"/>
-          <inkml:channel name="F" type="integer" max="32767" units="dev"/>
-        </inkml:traceFormat>
-        <inkml:channelProperties>
-          <inkml:channelProperty channel="X" name="resolution" value="1000" units="1/cm"/>
-          <inkml:channelProperty channel="Y" name="resolution" value="1000" units="1/cm"/>
-          <inkml:channelProperty channel="F" name="resolution" value="0" units="1/dev"/>
-        </inkml:channelProperties>
-      </inkml:inkSource>
-      <inkml:timestamp xml:id="ts0" timeString="2023-09-28T01:48:56.340"/>
-    </inkml:context>
-    <inkml:brush xml:id="br0">
-      <inkml:brushProperty name="width" value="0.2" units="cm"/>
-      <inkml:brushProperty name="height" value="0.2" units="cm"/>
-      <inkml:brushProperty name="color" value="#66CC00"/>
-    </inkml:brush>
-  </inkml:definitions>
-  <inkml:trace contextRef="#ctx0" brushRef="#br0">2965 1243 1937,'8'-5'9212,"-24"6"-8415,-28 6-815,-82 41 1058,3 0-356,-95 34 1626,192-70-2300,21-10-8,0 1 1,0 0 0,-1-1 0,1 0 0,-1 0-1,1-1 1,-7 1 0,31-4-3,-1-2-1,1 0 1,-1-1 0,0-1-1,0-1 1,27-14 0,-1 2 2,256-103-189,-295 121 187,10-8 88,-14 8-93,-33 4 17,0 1-1,0 1 1,0 2-1,1 1 1,-45 19-1,27-11 120,45-15-128,-12 9-3,15-9 2,22-2-19,0-1-1,-1-1 1,1 0-1,-1-2 0,26-9 1,95-44-43,-101 36 79,-29 16-10,0 0-1,0 0 1,1 1-1,20-7 0,-118 85 176,57-49-208,14-10 82,0-2 0,-32 21 0,41-32-93,5-1-136,5-1 41,30-14 128,0-1 0,-1-2 1,-1-2-1,35-27 0,21-12 40,-72 50-9,28-21 46,-41 25-54,-2 4 81,-10 9 34,-10 9-143,-1-1 1,-1-1 0,-26 15-1,-28 20 3,67-44-94,6-5 52,17-2-39,-7-1 85,0-1 0,0 0 0,0 0 0,0 0 0,-1-1 0,0 0 0,0 0 0,0-1 0,10-9 0,-9 8 72,-12 13 55,-13 11-75,-13 4-68,0-2 0,-1-1 0,-1-2 0,-35 14 0,60-28-304,22-7 266,24-13 97,98-69 74,-174 98 113,-17 20-321,20-11 111,-1-1 0,0-1 0,-64 22 0,67-31 19,23-6-107,22-7-244,19-8 279,0-2 0,-1-1 0,35-22 0,-1 2 7,-33 18 25,-8 5 44,0-1-1,0 0 0,-2-2 1,29-23-1,-51 37 38,-64 19-42,-118 54-1,22-7 85,-29-2-250,277-115 26,2-4 42,-56 35 54,41-22-28,81-35-1,-147 72 80,-12 5 11,-19 6 22,-218 104-190,-137 25 224,372-134-120,4-1-38,19 0 1,4-2 44,1-2 0,-1 0 0,0-2 0,0 0 0,27-12 0,18-5 10,14-3-6,75-20-60,-187 55 51,0 2 0,0 1 0,-41 23 0,17-9-28,-34 16 83,-18 10 60,-162 53-1,280-107-175,2 0 61,0 0 0,0-1 0,14-5 1,330-147 80,-57 23-286,-300 131 211,0 1 1,0 0 0,0 0-1,0 0 1,0 0 0,0 0 0,0 0-1,0 0 1,0 0 0,0 0-1,0 0 1,0 0 0,0 0 0,0-1-1,0 1 1,0 0 0,0 0-1,0 0 1,0 0 0,0 0-1,0 0 1,0 0 0,0 0 0,0 0-1,0 0 1,0 0 0,0-1-1,0 1 1,0 0 0,0 0 0,1 0-1,-1 0 1,0 0 0,0 0-1,0 0 1,0 0 0,-17 1 53,-29 9 28,-177 75-277,50-17 305,56-24-1,113-43-119,4-1-38,10-1 6,0 0 40,-1-1 0,1 0 0,0-1 0,-1 0 0,1 0 0,16-9 0,15-6 4,191-57-64,65-25-30,-289 95 219,-20 4-105,-31 6-35,-24 9-47,-69 24 0,37-9 14,30-10 59,-14 4 69,-160 25-1,234-48-75,7 0-41,21-7-136,-11 3 153,350-141 71,-318 133-62,62-9 1,-25 6-31,-113 23-58,-96 26 87,-417 124 64,428-132 52,176-29-284,179-62 271,194-40 35,-410 101-177,0-1 0,32-12 0,-62 16-114,-26 3 178,-1 1 0,-63 14 0,-85 30 77,108-26-106,53-14 19,-145 32 105,158-35-100,22-2-59,22-1 32,-3-2 26,0-2 0,0 0 0,35-10 0,86-30 66,-98 28-82,34-10 2,-7 3-12,93-39-1,-155 52-48,-16 9 64,0 0-1,0 0 0,0 0 1,0 0-1,0 0 1,1 0-1,-1 0 1,0 0-1,0 0 1,0 0-1,0-1 1,0 1-1,0 0 0,0 0 1,0 0-1,0 0 1,0 0-1,0 0 1,0 0-1,0 0 1,0-1-1,0 1 1,0 0-1,0 0 1,0 0-1,0 0 0,0 0 1,0 0-1,0 0 1,0-1-1,0 1 1,0 0-1,0 0 1,0 0-1,0 0 1,0 0-1,0 0 0,0 0 1,0 0-1,-1 0 1,1-1-1,0 1 1,0 0-1,0 0 1,0 0-1,0 0 1,0 0-1,0 0 0,0 0 1,0 0-1,-1 0 1,1 0-1,0 0 1,0 0-1,0 0 1,0 0-1,0 0 1,-31-2-149,29 2 157,-34 2 14,-1 1-1,1 2 1,0 1-1,-50 16 1,-146 61-23,107-37 82,-3 1 17,118-41 27,18-4-86,18-5-40,114-41 13,-40 11-4,-57 17 0,-50 15 18,-87 7 15,-155 28 1,198-26-37,6-1-28,0-2 1,-65-1 137,122-4-219,454 6 295,-464-6-192,-13 8 46,-74 24 46,-161 38 1,231-67-149,-1-1 1,1-1-1,-20 0 1,33-1 25,98 0 154,-56 0-46,-32 0 39,-14 0 78,-46 1-190,33 1-6,0-1-1,-1-1 0,1-1 1,0-1-1,0 0 0,0-2 1,-30-8-1,20 1 35,-55-11 1,57 16-37,1-1 0,-35-15 0,18 5 0,23 10 1,-34-18 0,-20-9 63,72 33-84,2 1 28,0 1 0,0-1 0,-1 0 1,1 0-1,0 0 0,0 0 0,0 0 0,0-1 0,-1 1 0,1 0 0,0 0 0,0 0 0,0 0 1,-1 0-1,1 0 0,0 0 0,0 0 0,0 0 0,0 0 0,0 0 0,-1-1 0,1 1 0,0 0 1,0 0-1,0 0 0,0 0 0,0 0 0,0-1 0,0 1 0,-1 0 0,1 0 0,0 0 0,0 0 1,0-1-1,0 1 0,0 0 0,0 0 0,0 0 0,0 0 0,0-1 0,0 1 0,0 0 1,0 0-1,0 0 0,0-1 0,0 1 0,0 0 0,0-1-5,-13-5 14,-6-8 42,19 13-53,0 1 0,0 0 0,0 0 0,0 0-1,0 0 1,1-1 0,-1 1 0,0 0-1,0 0 1,0 0 0,0 0 0,0-1 0,0 1-1,0 0 1,0 0 0,0 0 0,0 0 0,0-1-1,0 1 1,0 0 0,0 0 0,0 0 0,-1 0-1,1 0 1,0-1 0,0 1 0,0 0-1,0 0 1,0 0 0,0 0 0,0 0 0,0-1-1,0 1 1,-1 0 0,1 0 0,0 0 0,0 0-1,0 0 1,0 0 0,0 0 0,-1 0-1,1 0 1,0-1 0,0 1 0,0 0 0,0 0-1,-1 0 1,1 0 0,0 0 0,0 0 0,0 0-1,0 0 1,-1 0 0,-8-6 6,5 5 30,3 1-32,-1-1 1,0 1-1,0-1 1,0 1-1,1-1 1,-1 1-1,0-1 1,1 0-1,-1 0 1,0 0-1,1 0 1,-1 0-1,-1-2 1,3 2 5,-36 1 84,14-1-79,5 1 143,33 10-86,34 7-94,-38-14-12,1 1 1,20 10 0,-17-8 27,0 0 1,1-1-1,26 4 1,0-3 35,45 1 0,4 0-109,-39-4 60,82-3-1,-49-2-15,-83 2 41,9 0 26,-16 0-20,-50 1-20,-81 16-6,85-9 32,-84 3 0,-96-11-2,222-1-6,-1 0 1,0-1-1,1 0 0,0-1 1,-1 0-1,1-1 0,0 1 1,1-1-1,-1-1 0,-12-9 1,8 6-13,0 1 1,-22-10-1,20 11 4,11 4-3,0 1 1,0-1-1,0 1 1,-1 0-1,1 0 1,-1 0-1,-3 0 1,6 1-1,1-1 1,-1 1-1,1-1 1,-1 1-1,1 0 1,-1-1 0,1 0-1,-1 1 1,1-1-1,-1 1 1,1-1 0,0 1-1,-1-1 1,1 0-1,0 1 1,0-1 0,-1 0-1,1 0 1,0 1-1,0-1 1,0 0 0,0 1-1,0-1 1,0 0-1,0 0 1,0 1-1,0-1 1,0 0 0,0 1-1,0-1 1,1 0-1,-1 1 1,0-1 0,0 0-1,1 1 1,-1-1-1,1 0 1,0 0 0,1 0 2,29-21-2,35-19 3,-18 13-1,-41 23-12,-1 0 0,1 1 0,0 0 1,0 0-1,0 0 0,1 1 1,-1 1-1,1-1 0,0 1 1,0 0-1,9 0 0,82-11 229,8-7-430,6-3 297,-99 21-151,-4 0 61,1 0 0,-1 0 0,0-1-1,16-7 1,2 3-10,-3 1 106,-21 5-100,1 0 1,0 0 0,0 1 0,0-1 0,0 1 0,0 0 0,9 2-1,7-1 74,337-1-82,-251 15-54,13-6 98,-1-1-51,180-8 229,-309 1 231,-49 12-261,32-6-157,-1-1 0,-29 2 0,-438-1 217,320-8-155,157 0-67,0-1 1,-31-6-1,-8-2-52,-9-2 88,42 7-37,-1 2 0,-33-3-1,23-3 3,11 1-30,-20 7 18,38 2 2,1-1 1,0 0 0,0 0-1,-1 0 1,1 0-1,0-1 1,0 0 0,0 0-1,-10-4 1,12 4-10,1 0-1,-1 1 0,1-1 1,-1 1-1,1-1 1,-1 1-1,1 0 1,-1 0-1,-2 0 0,-16-2 48,13 1-23,-1-1-1,1 1 0,-1 1 0,1 0 0,-1 0 0,-11 2 1,-6-1-123,-55-1 269,38 12-121,26-8-74,10-2 10,-1 0 1,1 0 0,-1 1 0,-9 5 0,14-4 112,2-3-68,-2 0-28,0-1-1,1 1 0,-1-1 1,1 1-1,-1 0 0,1 0 1,-1 0-1,1 0 1,0 1-1,-1-1 0,1 1 1,-3 2-1,4-3 2,-1 0 0,1 0 1,-1 0-1,1 0 0,-1 0 0,0 0 1,1 0-1,-1 0 0,0-1 0,-3 2 1,15-2-9,-1 0 1,1-1 0,-1 0-1,1 0 1,-1-1 0,1 0-1,-1-1 1,12-4 0,82-28-99,-67 25 103,39-18 0,-99 30 77,9-2-22,1 1 0,-28 4 1,10 5-111,-55 24 0,84-33 66,1 0 0,-1 1-1,1-1 1,-1 1 0,1-1-1,0 1 1,0 0-1,0 0 1,0 0 0,0 0-1,0 1 1,-2 4-1,-10 8-19,-1-1 190,13-11-184,-1-1 1,1 1-1,-1-1 0,1 1 0,-1-1 0,0 0 1,1 0-1,-1-1 0,0 1 0,-1-1 0,-5 3 1,10 34 184,1-35-177,0 0-1,1-1 1,-1 1-1,1 0 1,-1-1-1,1 1 0,0-1 1,0 0-1,0 0 1,1 0-1,-1 0 1,5 1-1,4 3 0,4 3-6,0-2 0,1 0 1,0 0-1,0-2 1,0 0-1,1-1 1,26 2-1,134 0-24,-132-7 43,-7-1-44,1-2 1,-1-2-1,74-22 0,-62 15 13,78-11-1,-95 20 37,2 1-31,0-1 1,-1-2 0,68-20-1,-103 26 11,0 0 0,0 0 1,-1 0-1,1 0 0,0 0 0,0 0 0,0 0 0,0 0 0,0 0 0,0-1 1,0 1-1,0 0 0,0 0 0,0 0 0,0 0 0,0 0 0,0 0 0,0 0 1,0 0-1,0 0 0,0-1 0,0 1 0,0 0 0,0 0 0,0 0 0,0 0 1,0 0-1,0 0 0,0 0 0,0 0 0,0 0 0,0-1 0,0 1 0,0 0 1,0 0-1,1 0 0,-1 0 0,0 0 0,0 0 0,0 0 0,0 0 0,0 0 0,0 0 1,0 0-1,0 0 0,0 0 0,0 0 0,1 0 0,-1 0 0,0 0 0,0 0 1,0-1-1,0 1 0,0 0 0,0 0 0,0 0 0,0 0 0,0 1 0,1-1 1,-1 0-1,0 0 0,0 0 0,0 0 0,-13-2-60,-32 2 19,30 0 23,-33 3 43,0 2 1,0 3 0,-59 16-1,29-7-3,-171 31-97,198-42 126,-82 0 1,126-6-17,1 0-48,0 0 1,0 0-1,0 0 1,0-1-1,0 0 1,0 0 0,-7-2-1,0-3 61,0 1 1,-1 1-1,0 0 0,-20-2 1,4 0-151,11 1 113,9 2 13,0 0 0,0 1 0,-16-1-1,25 3-5,-10 0-2,-123 0-84,249-1 61,142 3-19,-235 0 44,0 2 0,-1 1 0,0 0 0,0 2 0,0 0 0,-1 2 0,0 0 0,23 15 0,-25-16-28,1-1 0,1 0 1,-1-1-1,1-1 0,0-1 0,0-1 1,0-1-1,0 0 0,24-2 1,-28-1 21,8 0 36,-22 5-25,-14 4-8,-82 38 11,82-42-28,0 1 1,0-2 0,0 0-1,-1 0 1,1-1 0,-20 1-1,21-3 6,-1 2 1,1 0-1,-14 4 0,13-3 3,0-1-1,1 0 0,-17 1 1,-15 0-32,35-1 25,0-1 0,-1 0 1,1-1-1,0 0 0,-1 0 0,1-1 0,0 0 0,-1 0 0,-10-4 1,-100-47 115,113 48-124,0 0 0,0 0 0,0-1-1,1 0 1,0 0 0,-6-8 0,-12-12-23,-97-100 68,105 106-43,-7-6 3,18 21 2,0 0 0,0 0 1,1 0-1,-1-1 0,1 1 1,0-1-1,0 0 0,0 0 1,1 0-1,-1 0 0,1-1 1,1 1-1,-1-1 0,1 1 1,0-1-1,-1-11 0,1 13 3,0 0 0,0 0 0,-1 0 0,1 0 0,-1 0 0,0 0-1,0 0 1,0 0 0,-1 1 0,1-1 0,-1 1 0,0-1 0,0 1 0,0 0-1,-4-2 1,2 0 6,-1 1 0,1 1 0,-1-1-1,1 1 1,-1 0 0,0 0 0,0 1 0,0 0-1,-8-2 1,-15-7 56,-19 10 46,38 2-99,32-1 20,51 0 67,-87 2-82,1 0-1,-1 1 0,1 0 0,0 1 0,0 1 0,0 0 0,1 1 1,-1 0-1,-17 13 0,11-8-15,0-1-1,0-1 1,-22 8 0,28-12-8,21-5-35,21-5 20,30-31-61,-15 8 31,-32 22 71,-4 2 16,-1 0-1,0 0 0,0-1 1,7-5-1,-21 8-26,1 1 0,-1 0 0,1 0 0,-1 1 0,-7 0-1,-16 0 23,33-12-99,7 4 62,1 1 0,-1 0 0,2 1 0,-1 1 0,15-6 0,31-17-23,-56 28 33,-1 0 0,0 0 0,0 0 1,1 0-1,-1 0 0,0 0 1,0 0-1,1 0 0,-1 0 0,0 0 1,0 0-1,0-1 0,1 1 0,-1 0 1,0 0-1,0 0 0,0 0 0,1 0 1,-1 0-1,0-1 0,0 1 0,0 0 1,0 0-1,1 0 0,-1-1 0,0 1 1,0 0-1,0 0 0,0 0 0,0-1 1,0 1-1,0 0 0,0 0 0,0 0 1,0-1-1,1 1 0,-1 0 0,0 0 1,0-1-1,0 1 0,-1 0 1,1 0-1,0-1 0,0 1 0,0 0 1,0 0-1,0 0 0,0-1 0,0 1 1,0 0-1,0 0 0,0 0 0,-1-1 1,1 1-1,-18-2 31,-25 7 14,30-2-46,1 1-1,-1 1 1,1 0-1,1 1 0,-1 0 1,1 1-1,0 0 1,0 0-1,-12 13 0,20-16 50,2-3-34,12-2-56,1 0 36,-1 0 0,1-1-1,-1-1 1,0 0 0,1 0 0,16-8-1,-20 7 1,-6 4-3,0-1 1,0 0-1,-1 1 1,1-1-1,0 0 1,0 0-1,0 0 1,-1 0-1,1-1 1,0 1-1,-1 0 0,1-1 1,-1 1-1,0-1 1,1 1-1,-1-1 1,1-2-1,-16 4 172,-4 2-169,-1 0 0,1 1 0,0 1 1,-29 11-1,36-8-5,-5 1 62,15-8-70,10 0-72,3-1 89,1-1 0,-1 0-1,1 0 1,-1-1 0,0-1 0,12-5-1,6-3-2,36-22 0,-66 34 6,1 0 0,-1 0 0,0 0 0,0 0 0,0 0 0,1 0 0,-1 0 0,0 0 0,0 0 0,0 0 0,1 0 0,-1 0 0,0 0 0,0 0 0,0 0 0,0 0-1,1 0 1,-1 0 0,0 0 0,0 0 0,0-1 0,0 1 0,0 0 0,1 0 0,-1 0 0,0 0 0,0 0 0,0 0 0,0-1 0,0 1 0,0 0 0,0 0 0,1 0 0,-1 0 0,0-1 0,0 1 0,0 0 0,0 0 0,0 0 0,0-1 0,0 1 0,0 0 0,0 0 0,0 0 0,0 0 0,0-1 0,0 1 0,0 0 0,0 0 0,0 0 0,0-1 0,-1 1 0,1 0 0,0 0 0,0 0 0,0 0 0,0 0 0,0-1 0,0 1 0,0 0 0,-1 0 0,1 0 0,0 0 0,0 0 0,0 0 0,-1-1 0,-19-1 28,-30 4-4,25 3-51,-37 12 1,9-3 6,21-3 32,24-4-26,24-5-85,-5-3 90,1 0 1,0-1-1,0-1 1,-1 0 0,1 0-1,12-6 1,0-2-3,-1 0 1,22-14 0,-28 13-89,-11 6 146,-7 3 127,-28 2-159,14 0-14,-1 1 0,0 1 0,1 0 0,-1 1 0,1 0-1,-20 6 1,11 0-15,16-7 3,0 1 0,1 1 0,0-1 0,0 1 1,0 1-1,-14 8 0,22-9 0,7-2-11,11-1-18,5-4 27,1-2 1,-1 0-1,0-2 0,-1 0 0,26-13 0,110-67-85,-151 84 89,10-8 48,-21 8-18,-15 4-25,-4 3 12,1 1 1,-1 0-1,1 2 1,-41 16-1,-84 47 156,106-48-113,24-14-56,10-5 3,1 1 0,-1 0 0,1 0-1,-1 0 1,1 1 0,0-1 0,-7 8 0,10-6 11,2-4 94,20-3-158,-11 1 48,0 0 1,0 0-1,-1-1 0,1 0 0,0-1 0,-1 0 0,13-6 0,38-16 42,-41 18-70,-1-1 1,0 0-1,32-21 0,-50 29 33,1-1 0,-1 1 0,1 0 0,-1-1 0,0 1 0,1-1 0,-1 1 0,0 0 0,1-1 0,-1 1 0,0 0 0,1 0 0,-1 0 0,0 0 0,1 0 0,-1-1 0,0 1-1,0 0 1,1 0 0,-1 1 0,0-1 0,0 0 0,1 0 0,-2 1 0,-34-2 16,31 1-14,-24 1 52,1 2 0,-45 9 1,65-10-83,11-1-33,16-1-29,-9-4 92,1 0 0,-1 0-1,1-1 1,-1 0 0,11-9-1,16-7 2,-16 9-69,-15 8 36,-1 0-1,1 1 0,0 0 1,0 0-1,0 0 0,12-3 0,-41 9 66,0 0-1,-1 1 1,1 2-1,1 0 0,-1 2 1,1 0-1,-21 12 1,-22 6-53,-27 15-125,91-40 165,10-1-27,1 0 0,-1 0 0,0-1 0,1 0 0,-1-1 0,1 0 0,-1 0 0,0-1 0,10-4 0,14-8 13,32-18 1,-54 26-16,87-51-99,-94 54 138,-17 2 82,-17 2-110,-1 2 1,1 1 0,0 1-1,0 2 1,-48 15-1,59-17-5,16-3-3,0-1 1,0 1-1,0 0 0,0 0 1,0 0-1,0 0 1,0 0-1,0 0 1,-3 4-1,5-4 4,8 0-30,5-2 29,1 0 0,-1-1 0,0 0-1,0-1 1,0 0 0,-1-1 0,13-5 0,82-46 44,-34 17-56,-65 35-8,-6 3 18,1 0-1,-1-1 1,1 1 0,-1-1-1,1 1 1,-1-1 0,0 0-1,1 1 1,-1-1 0,0 0-1,1 0 1,-1 0 0,0 0-1,0 0 1,0 0 0,0 0-1,0-1 1,0 1 0,0 0-1,-1 0 1,2-3-1,-10 3 40,-12 2-15,1 1 0,0 0 1,0 2-1,-31 9 0,-80 34 126,35-11-203,68-25 17,26-10 37,-1-1 0,1 0 1,0 1-1,0-1 1,0 1-1,-1 0 0,1-1 1,0 1-1,0 0 0,0 0 1,0 0-1,0-1 1,0 1-1,0 0 0,-1 2 1,6-1 9,6-2-20,3 1 8,0-1 0,0 0 0,0-2 0,0 1 0,0-1 0,0-1 0,19-7 0,19-11-91,-11 5 120,57-32-1,-123 45 114,-5 3-125,0 1 0,0 2 0,-37 7 0,-109 29-103,209-40-23,-24 2 111,0-1 0,0 0 0,0-1 1,8-1-1,22-9-19,0-2-1,37-19 1,-67 27 34,-8 2 15,-18 0 52,-27 4 35,32 1-118,0 1 0,0 0 0,0 1 0,-19 8 0,17-6-4,0-1-1,-21 5 1,31-10-13,5 0 21,7 0-37,0-1 33,0-1-1,0 1 1,0-1 0,0-1-1,-1 1 1,1-1 0,-1 0-1,1-1 1,-1 1 0,0-1-1,0 0 1,-1-1 0,1 0-1,6-7 1,-11 11 87,-46 1-19,45 0 37,-27 2-111,9 5 28,-11 4-98,28-11 174,1 1-68,0 1 17,0-2-70,1 3 26,-1-1 0,1 1 1,-1-1-1,1 0 0,0 1 0,0-1 0,1 0 0,-1 0 0,0 1 0,1-1 0,-1 0 0,1-1 0,0 1 1,-1 0-1,1 0 0,0-1 0,0 1 0,0-1 0,3 2 0,47 26-21,-41-24 22,67 32 30,-77-36-22,0-1-2,-1 0 1,0 0 0,0 0-1,1 0 1,-1 1 0,0-1 0,0 0-1,0 0 1,1 0 0,-1 0-1,0 1 1,0-1 0,0 0 0,0 0-1,0 1 1,1-1 0,-1 0-1,0 0 1,0 1 0,0-1 0,0 0-1,0 0 1,0 1 0,0-1-1,0 0 1,0 0 0,0 1-1,0-1 1,0 0 0,0 0 0,0 1-1,0-1 1,0 0 0,0 0-1,0 1 1,0-1 0,0 0 0,-1 1-1,1 10 74,0-10-35,-9 4-159,0-2 133,-1 0-1,1-1 1,-19 1 0,-24 6-57,44-8 25,-13-1-38,15 1 41,1-1 0,-1 0 0,1 0 0,-1 0 0,1-1 0,-1 1 0,1-1 0,0-1 1,-1 1-1,-7-4 0,-13-4 2,22 9 7,1-1-1,-1 0 1,1 0 0,-1 0 0,1 0 0,-1-1 0,1 1 0,0-1 0,0 0 0,0 0-1,-4-3 1,6 3-20,1 0 18,0 2 9,-4-1-8,0 1 1,0-1 0,0 0-1,0-1 1,0 1 0,0-1-1,0 0 1,0 0 0,1 0 0,-1 0-1,-4-4 1,7 5 1,-57-35-54,52 27-47,5 7 84,0-1 0,0 1 0,-1 0 0,1 0 0,-1 0-1,1 0 1,-1 0 0,0 1 0,-3-3 0,-14-25 33,9 13 155,10 16-180,0-2 4,-1 1 1,0 0-1,1 0 0,-1-1 0,0 1 1,0 0-1,0 0 0,0 0 0,0 0 0,0 0 1,0 0-1,0 0 0,0 1 0,0-1 1,0 0-1,-1 1 0,1-1 0,0 0 1,-2 0-1,2 0-27,1 1 33,0-1 1,1 1-1,-1-1 1,0 1-1,0-1 1,0 0-1,0 1 1,0-1-1,-1 1 1,1-1-1,0 1 1,0-1-1,0 1 1,0-1-1,0 0 1,-1 1-1,1-1 1,0 1-1,-1-1 1,1 1-1,0 0 1,-1-1-1,1 1 1,0-1-1,-1 1 1,1 0-1,-1-1 1,1 1-1,-1 0 1,1-1-1,-1 1 1,1 0-1,-1 0 1,1-1-1,-1 1 1,1 0-1,-1 0 1,-1 0-1,2 0 0,0 0 0,-1 0 0,1 0 0,0 0 0,0 0 0,-1 0 0,1-1 0,0 1 0,-1 0 0,1 0 0,0 0 0,-1 0 0,1 0 0,0 0 0,0-1 0,-1 1 0,1 0 0,0 0 0,0 0 0,0-1 0,-1 1 0,1 0 0,0 0 0,0-1 0,0 1 0,-1 0 0,1 0 0,0-1 0,0 1 0,0 0 0,0-1 0,0 1 0,0 0 0,0 0 0,0-1 0,0 1 0,0-1 0,0 0 10,-29-13-3,10 3 10,15 10 4,4 1 74,0-1-184,0-3 85,0 3 174,-1-17-304,-1-1 124,2-28 225,0 46-256,0 0 39,0-1 0,0 0 0,0 0-1,0 0 1,0 0 0,0 0 0,0 0-1,-1 0 1,1 0 0,-1 0 0,0 0-1,1 0 1,-1 1 0,-1-4 0,1 3 65,1-82-96,0-20-35,0 104 131,0-33-48,0-35-5,3-33-147,-2 97 125,1 3 40,-1 36-47,-2-35 18,1 1 0,0-1 0,0 1 0,0-1 1,0 1-1,0-1 0,0 1 0,0-1 0,0 1 1,0-1-1,0 1 0,0-1 0,0 1 1,0-1-1,0 1 0,1-1 0,-1 1 0,0-1 1,0 1-1,1-1 0,-1 1 0,0-1 0,0 0 1,1 1-1,-1-1 0,0 1 0,1-1 0,-1 0 1,1 1-1,-1-1 0,0 0 0,1 0 0,-1 1 1,1-1-1,-1 0 0,1 0 0,-1 0 0,1 1 1,0-1-1,0-1 0,-1 1 1,1 0-1,-1 0 0,1-1 1,0 1-1,-1 0 1,1-1-1,-1 1 0,1 0 1,-1-1-1,1 1 0,-1-1 1,1 1-1,-1-1 0,1 1 1,-1-1-1,0 1 1,1-1-1,-1 1 0,1-2 1,0-3 0,-1 3 1,1 1-1,0-1 0,0 0 1,0 1-1,0-1 1,0 0-1,0 1 0,1 0 1,-1-1-1,0 1 1,1 0-1,-1-1 0,1 1 1,-1 0-1,3-1 1,3-4-16,0-1 0,0 0 0,0 0 0,10-15 0,-17 18 641,0 5-619,0 1-1,0-1 0,0 1 1,0 0-1,0-1 0,1 1 1,-1-1-1,0 0 0,1 1 1,-1-1-1,1 1 1,-1-1-1,3 3 0,-3-3 0,1 7 17,1-1 0,0 0 1,0 0-1,1 0 1,0 0-1,0 0 1,0 0-1,1-1 0,0 0 1,0 0-1,1 0 1,8 9-1,-5-7-4,-1 0 0,1 1 0,-1 0 0,-1 1 0,11 19 0,-14-24-22,0 0 0,1 1-1,-1-2 1,1 1 0,1 0 0,-1-1-1,1 0 1,6 5 0,43 27-29,-25-19 52,1-2 0,1-1 0,34 11-1,-54-20 3,-9-4-21,0 0-1,0 0 1,0-1 0,0 1 0,0 0 0,0-1 0,0 1-1,0-1 1,0 0 0,3 1 0,-2-1 3,1 1 0,-1 0-1,0 0 1,1 0 0,-1 0 0,0 0 0,0 1-1,0 0 1,6 3 0,-7-3-4,1 0 0,1 0 0,-1 0 0,0 0 0,0-1 0,1 0 0,-1 1 0,1-1 0,-1-1 0,5 2 0,1 4 97,-9-5-93,1-1 0,-1 1 0,1-1 0,-1 1 0,1 0 0,-1-1 0,1 1 0,0-1 0,-1 0 0,1 1 0,0-1-1,-1 1 1,1-1 0,0 0 0,-1 0 0,1 1 0,0-1 0,-1 0 0,1 0 0,1 0 0,-2 1 2,1-1-1,-1 1 1,0-1-1,1 1 1,-1 0-1,0-1 1,1 1-1,-1-1 0,0 1 1,0-1-1,0 1 1,0 0-1,0-1 1,0 1-1,0 0 1,0-1-1,0 1 1,0 0-1,0 2-3,-1-1 0,1 0 0,-1 0-1,0 0 1,0 0 0,0 0 0,0 0 0,0 0 0,0-1 0,-1 1-1,1 0 1,-1-1 0,1 1 0,-1 0 0,1-1 0,-1 0 0,0 1-1,0-1 1,0 0 0,0 0 0,-2 1 0,-53 22-86,41-18 103,-73 26-41,69-28-8,18-4 25,1 0 0,-1 0 0,0 0 0,0 0 0,0 1 0,0-1 0,1 1-1,-1-1 1,0 1 0,0 0 0,-1 1 0,9-8-34,55-51-372,-58 51 413,-2 3 10,-1 3 22,-151-12 18,-24 12-120,174 0 91,7 0-31,1 0-1,0 0 1,0-1-1,0 0 0,-1-1 1,1 0-1,-1 0 0,1 0 1,-1 0-1,0-1 1,10-6-1,3 0-7,162-74 15,-207 84 66,2 3-49,1 1 0,0 1-1,0 2 1,1 0 0,0 1 0,1 1-1,-34 21 1,54-30-18,-18 12-96,30-12 18,11-2 130,-14 1-60,-1-1 0,1 0 0,-1 0 0,0-1 0,0 0-1,1 0 1,6-3 0,-11 4 1,1-1 0,-1 0 0,0 0 0,1 0 0,-1 0 0,0 0 0,0 0-1,0-1 1,-1 0 0,1 1 0,0-1 0,-1 0 0,0 0 0,0-1 0,0 1 0,2-5 0,-3-11 35,-1 19-24,0 0 0,0-1-1,-1 1 1,1-1 0,0 1-1,0 0 1,0-1 0,-1 1-1,1 0 1,0-1 0,0 1-1,-1 0 1,1-1-1,0 1 1,-1 0 0,1-1-1,0 1 1,-1 0 0,1 0-1,0 0 1,-1-1 0,1 1-1,-1 0 1,1 0 0,-1 0-1,1 0 1,0 0 0,-1 0-1,1 0 1,-1 0-1,1 0 1,-1 0 0,1 0-1,0 0 1,-1 0 0,1 0-1,-1 0 1,1 0 0,0 0-1,-1 1 1,1-1 0,-1 0-1,1 0 1,0 0-1,-1 1 1,1-1 0,-34-5-49,30 5 42,1-1-1,-1 1 1,1-1-1,-1 0 1,0 0 0,1 0-1,-1 0 1,1 0-1,0-1 1,0 0-1,-1 0 1,1 0-1,0 0 1,0 0-1,-4-5 1,3 2-7,0-1 0,0 1 1,0-1-1,1 0 0,0-1 0,0 1 1,-4-12-1,6 15 9,-3-11-24,-1-1 1,-1 2-1,0-1 0,-16-24 0,8 12 117,11 23-6,9 20-45,-6-16-40,5 20 43,0-1-1,-1 1 0,-1 0 0,0 40 0,-3-53-34,0 0 0,0 0 0,1 0 0,0-1-1,0 1 1,1 0 0,0-1 0,1 1 0,-1-1 0,2 0 0,-1 1-1,1-2 1,0 1 0,0 0 0,1-1 0,-1 0 0,7 6 0,-8-8-19,0-1 0,0 0 0,0 1 0,-1 0 0,1-1 1,-1 1-1,2 7 0,13 17 28,-11-22-18,0-1 0,0 0 0,1-1 0,-1 1 0,1-1 0,0 0-1,0-1 1,1 1 0,12 3 0,9 4 47,-28-11 45,-1 1-177,13 11 164,-6-9-102,-1-1 1,0 0 0,1 0 0,0-1 0,12 1 0,-11 0-13,-20-3 21,3-1 22,0-1 1,0 0-1,0 0 0,1-1 1,0 0-1,-1-1 0,2 0 0,-1 0 1,0 0-1,1-1 0,0-1 1,0 1-1,1-1 0,-10-12 1,13 12-17,1 0 0,0 0 1,-1 0-1,2-1 0,-1 1 1,1 0-1,1 0 0,-1-1 1,1-11-1,-4-34-22,2 33 7,2 17 19,0 0 1,-1-1 0,1 1 0,-1 0 0,0 0-1,0 0 1,0-1 0,0 1 0,-3-5-1,4 7 211,0 24-174,-1-5-36,1-6-7,-1-1 0,2 0 0,-1 0 0,1 1 0,1-1 0,0 0 0,1 0-1,0 0 1,5 12 0,-4-15 15,-1 0-1,0 0 0,-1 0 1,0 1-1,0-1 0,0 11 1,1 2-1,-2-18-2,0 0-1,0 0 1,0 0 0,1 0 0,-1 0 0,1 0 0,-1 0-1,1-1 1,0 1 0,0-1 0,1 1 0,-1-1-1,0 0 1,1 0 0,-1 0 0,6 3 0,52 26 18,-34-19-17,-23-10-1,0-1 0,0 1 0,1-1 0,-1 0 0,0 0 0,1 0 0,-1 0 0,1 0 0,6-1 0,35 15 39,-6-12-62,41 0-1,-76-4 36,20-14 54,-22 14-68,1 0 0,0 0 0,-1 0 0,1-1 0,-1 1 1,0-1-1,0 0 0,4-2 0,-4 3 105,-1 1-112,10-2-13,1 1 1,-1 0-1,1 1 1,19 2-1,5 0 113,9-2-70,-44 0 44,-1 5-60,2 0-1,-1-1 0,0 1 1,1 0-1,0-1 0,0 1 1,0-1-1,1 1 0,-1-1 1,1 0-1,0 0 0,0 0 1,1 0-1,4 3 0,-6-5-10,-1 1 1,1-1-1,0 0 0,-1 0 0,0 1 0,1-1 0,-1 1 0,0-1 0,0 1 0,0 4 0,0-4 13,0-1-1,-1 1 0,1-1 1,0 1-1,0-1 0,0 0 1,1 1-1,-1-1 0,0 0 1,4 3-1,-3-2-11,-1-1 0,1 1 0,0-1 0,-1 1-1,1 0 1,-1 0 0,0 0 0,0-1 0,1 5 0,6 15 50,12 0-49,-2-5-39,-11-6 71,-6-10-26,0 0 1,-1 0-1,1 0 1,0 0-1,0 0 0,0 0 1,0 0-1,0 0 1,0-1-1,0 1 0,0 0 1,0 0-1,0-1 1,2 1-1,13 24-27,52 24 53,-61-44-30,0-1 0,1 0 0,-1 0 0,1 0 0,0-1 0,0 0-1,0 0 1,9 1 0,-6-2 0,0 2 1,-1-1-1,19 10 0,88 40 33,-101-46-28,0 1 0,1-2 1,0 0-1,0-1 0,1-1 0,24 3 1,13 4 0,58 15-11,-57-14 8,102 18 7,-74-23-58,142-5-1,-105-4 26,145 2-138,-163-6 12,-51 0-1192</inkml:trace>
-</inkml:ink>
-</file>
-
-<file path=ppt/ink/ink8.xml><?xml version="1.0" encoding="utf-8"?>
-<inkml:ink xmlns:inkml="http://www.w3.org/2003/InkML">
-  <inkml:definitions>
-    <inkml:context xml:id="ctx0">
-      <inkml:inkSource xml:id="inkSrc0">
-        <inkml:traceFormat>
-          <inkml:channel name="X" type="integer" min="-2.14748E9" max="2.14748E9" units="cm"/>
-          <inkml:channel name="Y" type="integer" min="-2.14748E9" max="2.14748E9" units="cm"/>
-          <inkml:channel name="F" type="integer" max="32767" units="dev"/>
-        </inkml:traceFormat>
-        <inkml:channelProperties>
-          <inkml:channelProperty channel="X" name="resolution" value="1000" units="1/cm"/>
-          <inkml:channelProperty channel="Y" name="resolution" value="1000" units="1/cm"/>
-          <inkml:channelProperty channel="F" name="resolution" value="0" units="1/dev"/>
-        </inkml:channelProperties>
-      </inkml:inkSource>
-      <inkml:timestamp xml:id="ts0" timeString="2023-09-28T01:48:56.342"/>
-    </inkml:context>
-    <inkml:brush xml:id="br0">
-      <inkml:brushProperty name="width" value="0.2" units="cm"/>
-      <inkml:brushProperty name="height" value="0.2" units="cm"/>
-      <inkml:brushProperty name="color" value="#008C3A"/>
-    </inkml:brush>
-  </inkml:definitions>
-  <inkml:trace contextRef="#ctx0" brushRef="#br0">0 2917 912,'20'5'12630,"-16"-16"-12507,0 1 0,0-1 1,-1 0-1,-1 0 0,0 0 0,0-1 0,0-11 0,-1 7 84,1 0 0,7-26 0,76-199 916,-75 212-998,21-39-1,5-12 52,-27 54-110,2 1 1,0 1 0,2-1-1,1 2 1,1 0 0,0 1 0,2 1-1,1 0 1,21-19 0,0-1 108,-23 23-139,1 2 0,24-21-1,65-51 275,-96 80-267,1 0 1,-1 1 0,1 1-1,0 0 1,15-6-1,-19 9 14,1 1 0,-1 0 0,1 0-1,0 0 1,0 1 0,11 0 0,-10-2 12,-8 2-65,1 1 1,-1-1-1,1 0 1,-1 1 0,1-1-1,0 1 1,-1-1 0,1 1-1,-1 0 1,1-1-1,0 1 1,0 0 0,1 0-1,4 0-5,0-1 1,0-1-1,0 1 0,0-1 0,0-1 1,0 1-1,7-5 0,19-6 23,19 7 136,-44 5-145,0 1 1,-1 1 0,1-1-1,0 2 1,-1-1-1,1 1 1,0 0 0,-1 0-1,0 1 1,0 0 0,0 0-1,0 1 1,0 0 0,0 0-1,-1 0 1,0 1-1,8 8 1,16 16 25,2-1 0,1-2 0,1-1-1,2-2 1,0-1 0,1-2 0,1-1 0,69 23 0,-42-22-60,1-2 0,1-4 0,0-2 1,75 3-1,278-9 167,-263-7-154,-106-2-1,0-2 0,92-22 1,-54 9-27,141-39-106,-210 52 112,-1-1 0,0-1 1,0 0-1,-1-1 0,26-16 1,85-64 135,-58 37-88,-26 18 11,-1-2-1,-2-1 0,-2-3 1,62-74-1,-99 108-32,2 0-21,-1 0 0,1 0 0,-1 0 0,-1-1-1,1 0 1,-1 1 0,0-1 0,0 0 0,0-1-1,-1 1 1,0 0 0,-1-1 0,1 1 0,0-14-1,-16 20-68,-24 1 95,25 1-1,0-2 0,0 1-1,0-2 1,0 0 0,1 0 0,-1-1-1,-16-5 1,11 0-6,0 2 1,-1 0-1,0 1 0,1 1 0,-28-2 1,-100 5-36,65 2 31,-35 0-22,-136-5-66,-26-29 259,145 14-144,-20-2 92,-64 3-54,-199 3 161,404 15-214,0 1 0,0 0 0,1 0 1,-1 1-1,1 1 0,-1 0 1,1 0-1,-20 12 0,13-7-18,-35 13 1,44-19 14,1 0 1,0 0-1,0 1 1,-11 7-1,15-9 0,-67 49-9,56-39 7,0 0-1,-1-1 1,-28 14 0,33-19-8,2-1 0,-1 2 0,1-1 1,-17 16-1,-7 6-14,-36 25 209,71-56-372,21-28 206,50-52 1,-47 57 0,-2-2 0,35-50 0,-55 72-21,-1-1 0,0 0 1,-1 0-1,0 0 1,0 0-1,0 0 1,-1 0-1,1-12 1,-2-65-15,-1 41 3,1 31-25,1 4 34,-1-1-1,1 1 0,-2 0 0,1 0 0,-1 0 0,-1 0 1,1 0-1,-1 0 0,-1 0 0,1 0 0,-1 0 1,-1 1-1,1-1 0,-9-11 0,-22-38 16,30 49-14,0-1 0,-1 0 0,0 1-1,0 0 1,-1 0 0,0 1 0,0-1 0,-1 1 0,0 0 0,0 1-1,0 0 1,-14-8 0,-10-5 15,26 15-6,1 1-1,-1 0 0,1 0 1,-1 1-1,0-1 0,0 1 0,0 0 1,-1 1-1,1-1 0,0 1 1,-1 0-1,1 0 0,-6 0 1,-26 1 108,-1-2 1,-48-8-1,76 7-120,1-1 0,0 0 1,-1 0-1,2-1 0,-1 0 0,-12-10 0,-7-3 31,11 6-25,1-1 0,1 0 1,0-1-1,1-1 0,0 0 0,1 0 0,1-2 0,0 1 0,1-2 0,1 0 0,1 0 0,1 0 0,0-1 0,-9-36 0,13 35-3,-4-17-7,-17-46-1,19 62-7,0-1 0,2 0 0,0 0-1,1 0 1,1 0 0,2-34 0,-3-72-60,3 127 34,6-28-34,-3 19 76,7-17 10,-10 26 7,0 3-9,0 0 4,0 0 0,0 0-1,0-1 1,0 1 0,-1 0-1,1 0 1,-1-1 0,1 1-1,-1 0 1,0-1-1,0 1 1,0 0 0,0-1-1,0 1 1,0-1 0,0 0-1,-2 2 1,-34 35-47,28-30 36,1 0 0,0 1-1,-11 13 1,-51 79 46,44-67 50,-40 70 0,-43 131 37,102-213-105,1 1-1,2-1 1,0 1-1,0 26 1,3-40-49,-2 30 66,2-1-1,5 54 1,0-73-61,0-1 1,2 0-1,0-1 1,2 1-1,17 30 1,-15-27 15,8 12 7,2-2 1,1 0-1,1-1 1,1-1 0,2-1-1,38 33 1,-61-59-13,11 11-12,1 0 0,0-1 1,1-1-1,0-1 0,1 0 1,0 0-1,21 8 0,104 41 143,-4-9-33,-126-48-20,-10-2-73,0 0 1,0 0 0,-1 0 0,1 0 0,0 0-1,0 0 1,-1 1 0,1-1 0,0 0 0,-1 0 0,1 1-1,0-1 1,-1 0 0,1 1 0,0-1 0,-1 1-1,1-1 1,0 2 0,4 1 1,1 1 0,-1-1 0,1 0 0,10 4 0,9 6 28,-7-7-16,-17-5-13,1-1 0,0 1 0,0-1 0,0 1 0,0 0 1,0 0-1,-1 0 0,1 0 0,0 0 0,2 2 1,-3-2-3,1 0 1,0-1 0,0 1 0,-1-1-1,1 1 1,0-1 0,0 0-1,0 0 1,-1 0 0,5 0 0,0 1 0,3 0 5,0 1-1,0-1 1,0 0 0,10-1-1,-16 0-3,-3 0 12,0 1-2,0 3-22,0-3 11,2 9-173,-2-9 132,0-1 1,0 1 0,0-1-1,0 1 1,0-1 0,-1 1-1,1-1 1,0 1 0,1-1-1,-1 1 1,0-1 0,0 1 0,0-1-1,0 1 1,0-1 0,0 1-1,1-1 1,-1 1 0,0-1-1,0 1 1,1-1 0,-1 1-1,0-1 1,1 0 0,-1 1-1,0-1 1,1 0 0,-1 1 0,1-1-1,-1 0 1,0 1 0,1-1-1,-1 0 1,2 1 0,15 4-2604</inkml:trace>
-</inkml:ink>
-</file>
-
 <file path=ppt/slideLayouts/slideLayout1.xml><?xml version="1.0" encoding="utf-8"?>
 <p:sldLayout xmlns:a="http://schemas.openxmlformats.org/drawingml/2006/main" xmlns:r="http://schemas.openxmlformats.org/officeDocument/2006/relationships" xmlns:p="http://schemas.openxmlformats.org/presentationml/2006/main" type="title" preserve="1">
   <p:cSld name="Diapositiva de título">
@@ -484,7 +604,7 @@
           <a:p>
             <a:fld id="{696ED51A-EA8B-4ADA-8D08-B53D9E24051D}" type="datetimeFigureOut">
               <a:rPr lang="en-US" smtClean="0"/>
-              <a:t>9/27/2023</a:t>
+              <a:t>11/26/2023</a:t>
             </a:fld>
             <a:endParaRPr lang="en-US"/>
           </a:p>
@@ -684,7 +804,7 @@
           <a:p>
             <a:fld id="{696ED51A-EA8B-4ADA-8D08-B53D9E24051D}" type="datetimeFigureOut">
               <a:rPr lang="en-US" smtClean="0"/>
-              <a:t>9/27/2023</a:t>
+              <a:t>11/26/2023</a:t>
             </a:fld>
             <a:endParaRPr lang="en-US"/>
           </a:p>
@@ -894,7 +1014,7 @@
           <a:p>
             <a:fld id="{696ED51A-EA8B-4ADA-8D08-B53D9E24051D}" type="datetimeFigureOut">
               <a:rPr lang="en-US" smtClean="0"/>
-              <a:t>9/27/2023</a:t>
+              <a:t>11/26/2023</a:t>
             </a:fld>
             <a:endParaRPr lang="en-US"/>
           </a:p>
@@ -1094,7 +1214,7 @@
           <a:p>
             <a:fld id="{696ED51A-EA8B-4ADA-8D08-B53D9E24051D}" type="datetimeFigureOut">
               <a:rPr lang="en-US" smtClean="0"/>
-              <a:t>9/27/2023</a:t>
+              <a:t>11/26/2023</a:t>
             </a:fld>
             <a:endParaRPr lang="en-US"/>
           </a:p>
@@ -1370,7 +1490,7 @@
           <a:p>
             <a:fld id="{696ED51A-EA8B-4ADA-8D08-B53D9E24051D}" type="datetimeFigureOut">
               <a:rPr lang="en-US" smtClean="0"/>
-              <a:t>9/27/2023</a:t>
+              <a:t>11/26/2023</a:t>
             </a:fld>
             <a:endParaRPr lang="en-US"/>
           </a:p>
@@ -1638,7 +1758,7 @@
           <a:p>
             <a:fld id="{696ED51A-EA8B-4ADA-8D08-B53D9E24051D}" type="datetimeFigureOut">
               <a:rPr lang="en-US" smtClean="0"/>
-              <a:t>9/27/2023</a:t>
+              <a:t>11/26/2023</a:t>
             </a:fld>
             <a:endParaRPr lang="en-US"/>
           </a:p>
@@ -2053,7 +2173,7 @@
           <a:p>
             <a:fld id="{696ED51A-EA8B-4ADA-8D08-B53D9E24051D}" type="datetimeFigureOut">
               <a:rPr lang="en-US" smtClean="0"/>
-              <a:t>9/27/2023</a:t>
+              <a:t>11/26/2023</a:t>
             </a:fld>
             <a:endParaRPr lang="en-US"/>
           </a:p>
@@ -2195,7 +2315,7 @@
           <a:p>
             <a:fld id="{696ED51A-EA8B-4ADA-8D08-B53D9E24051D}" type="datetimeFigureOut">
               <a:rPr lang="en-US" smtClean="0"/>
-              <a:t>9/27/2023</a:t>
+              <a:t>11/26/2023</a:t>
             </a:fld>
             <a:endParaRPr lang="en-US"/>
           </a:p>
@@ -2308,7 +2428,7 @@
           <a:p>
             <a:fld id="{696ED51A-EA8B-4ADA-8D08-B53D9E24051D}" type="datetimeFigureOut">
               <a:rPr lang="en-US" smtClean="0"/>
-              <a:t>9/27/2023</a:t>
+              <a:t>11/26/2023</a:t>
             </a:fld>
             <a:endParaRPr lang="en-US"/>
           </a:p>
@@ -2621,7 +2741,7 @@
           <a:p>
             <a:fld id="{696ED51A-EA8B-4ADA-8D08-B53D9E24051D}" type="datetimeFigureOut">
               <a:rPr lang="en-US" smtClean="0"/>
-              <a:t>9/27/2023</a:t>
+              <a:t>11/26/2023</a:t>
             </a:fld>
             <a:endParaRPr lang="en-US"/>
           </a:p>
@@ -2910,7 +3030,7 @@
           <a:p>
             <a:fld id="{696ED51A-EA8B-4ADA-8D08-B53D9E24051D}" type="datetimeFigureOut">
               <a:rPr lang="en-US" smtClean="0"/>
-              <a:t>9/27/2023</a:t>
+              <a:t>11/26/2023</a:t>
             </a:fld>
             <a:endParaRPr lang="en-US"/>
           </a:p>
@@ -3153,7 +3273,7 @@
           <a:p>
             <a:fld id="{696ED51A-EA8B-4ADA-8D08-B53D9E24051D}" type="datetimeFigureOut">
               <a:rPr lang="en-US" smtClean="0"/>
-              <a:t>9/27/2023</a:t>
+              <a:t>11/26/2023</a:t>
             </a:fld>
             <a:endParaRPr lang="en-US"/>
           </a:p>
@@ -4014,8 +4134,8 @@
           </a:p>
         </p:txBody>
       </p:sp>
-      <mc:AlternateContent xmlns:mc="http://schemas.openxmlformats.org/markup-compatibility/2006">
-        <mc:Choice xmlns:p14="http://schemas.microsoft.com/office/powerpoint/2010/main" Requires="p14">
+      <mc:AlternateContent xmlns:mc="http://schemas.openxmlformats.org/markup-compatibility/2006" xmlns:p14="http://schemas.microsoft.com/office/powerpoint/2010/main">
+        <mc:Choice Requires="p14">
           <p:contentPart p14:bwMode="auto" r:id="rId2">
             <p14:nvContentPartPr>
               <p14:cNvPr id="28" name="Entrada de lápiz 27">
@@ -4034,7 +4154,7 @@
             </p14:xfrm>
           </p:contentPart>
         </mc:Choice>
-        <mc:Fallback>
+        <mc:Fallback xmlns="">
           <p:pic>
             <p:nvPicPr>
               <p:cNvPr id="28" name="Entrada de lápiz 27">
@@ -4065,8 +4185,8 @@
           </p:pic>
         </mc:Fallback>
       </mc:AlternateContent>
-      <mc:AlternateContent xmlns:mc="http://schemas.openxmlformats.org/markup-compatibility/2006">
-        <mc:Choice xmlns:p14="http://schemas.microsoft.com/office/powerpoint/2010/main" Requires="p14">
+      <mc:AlternateContent xmlns:mc="http://schemas.openxmlformats.org/markup-compatibility/2006" xmlns:p14="http://schemas.microsoft.com/office/powerpoint/2010/main">
+        <mc:Choice Requires="p14">
           <p:contentPart p14:bwMode="auto" r:id="rId4">
             <p14:nvContentPartPr>
               <p14:cNvPr id="29" name="Entrada de lápiz 28">
@@ -4085,7 +4205,7 @@
             </p14:xfrm>
           </p:contentPart>
         </mc:Choice>
-        <mc:Fallback>
+        <mc:Fallback xmlns="">
           <p:pic>
             <p:nvPicPr>
               <p:cNvPr id="29" name="Entrada de lápiz 28">
@@ -4146,8 +4266,8 @@
           </a:prstGeom>
         </p:spPr>
       </p:pic>
-      <mc:AlternateContent xmlns:mc="http://schemas.openxmlformats.org/markup-compatibility/2006">
-        <mc:Choice xmlns:p14="http://schemas.microsoft.com/office/powerpoint/2010/main" Requires="p14">
+      <mc:AlternateContent xmlns:mc="http://schemas.openxmlformats.org/markup-compatibility/2006" xmlns:p14="http://schemas.microsoft.com/office/powerpoint/2010/main">
+        <mc:Choice Requires="p14">
           <p:contentPart p14:bwMode="auto" r:id="rId7">
             <p14:nvContentPartPr>
               <p14:cNvPr id="17" name="Entrada de lápiz 16">
@@ -4166,7 +4286,7 @@
             </p14:xfrm>
           </p:contentPart>
         </mc:Choice>
-        <mc:Fallback>
+        <mc:Fallback xmlns="">
           <p:pic>
             <p:nvPicPr>
               <p:cNvPr id="17" name="Entrada de lápiz 16">
@@ -4217,8 +4337,8 @@
             <a:chExt cx="900360" cy="1033920"/>
           </a:xfrm>
         </p:grpSpPr>
-        <mc:AlternateContent xmlns:mc="http://schemas.openxmlformats.org/markup-compatibility/2006">
-          <mc:Choice xmlns:p14="http://schemas.microsoft.com/office/powerpoint/2010/main" Requires="p14">
+        <mc:AlternateContent xmlns:mc="http://schemas.openxmlformats.org/markup-compatibility/2006" xmlns:p14="http://schemas.microsoft.com/office/powerpoint/2010/main">
+          <mc:Choice Requires="p14">
             <p:contentPart p14:bwMode="auto" r:id="rId9">
               <p14:nvContentPartPr>
                 <p14:cNvPr id="21" name="Entrada de lápiz 20">
@@ -4237,7 +4357,7 @@
               </p14:xfrm>
             </p:contentPart>
           </mc:Choice>
-          <mc:Fallback>
+          <mc:Fallback xmlns="">
             <p:pic>
               <p:nvPicPr>
                 <p:cNvPr id="21" name="Entrada de lápiz 20">
@@ -4268,8 +4388,8 @@
             </p:pic>
           </mc:Fallback>
         </mc:AlternateContent>
-        <mc:AlternateContent xmlns:mc="http://schemas.openxmlformats.org/markup-compatibility/2006">
-          <mc:Choice xmlns:p14="http://schemas.microsoft.com/office/powerpoint/2010/main" Requires="p14">
+        <mc:AlternateContent xmlns:mc="http://schemas.openxmlformats.org/markup-compatibility/2006" xmlns:p14="http://schemas.microsoft.com/office/powerpoint/2010/main">
+          <mc:Choice Requires="p14">
             <p:contentPart p14:bwMode="auto" r:id="rId11">
               <p14:nvContentPartPr>
                 <p14:cNvPr id="22" name="Entrada de lápiz 21">
@@ -4288,7 +4408,7 @@
               </p14:xfrm>
             </p:contentPart>
           </mc:Choice>
-          <mc:Fallback>
+          <mc:Fallback xmlns="">
             <p:pic>
               <p:nvPicPr>
                 <p:cNvPr id="22" name="Entrada de lápiz 21">
@@ -4319,8 +4439,8 @@
             </p:pic>
           </mc:Fallback>
         </mc:AlternateContent>
-        <mc:AlternateContent xmlns:mc="http://schemas.openxmlformats.org/markup-compatibility/2006">
-          <mc:Choice xmlns:p14="http://schemas.microsoft.com/office/powerpoint/2010/main" Requires="p14">
+        <mc:AlternateContent xmlns:mc="http://schemas.openxmlformats.org/markup-compatibility/2006" xmlns:p14="http://schemas.microsoft.com/office/powerpoint/2010/main">
+          <mc:Choice Requires="p14">
             <p:contentPart p14:bwMode="auto" r:id="rId13">
               <p14:nvContentPartPr>
                 <p14:cNvPr id="26" name="Entrada de lápiz 25">
@@ -4339,7 +4459,7 @@
               </p14:xfrm>
             </p:contentPart>
           </mc:Choice>
-          <mc:Fallback>
+          <mc:Fallback xmlns="">
             <p:pic>
               <p:nvPicPr>
                 <p:cNvPr id="26" name="Entrada de lápiz 25">
@@ -4406,913 +4526,6 @@
           <p:cNvPr id="2" name="Título 1">
             <a:extLst>
               <a:ext uri="{FF2B5EF4-FFF2-40B4-BE49-F238E27FC236}">
-                <a16:creationId xmlns:a16="http://schemas.microsoft.com/office/drawing/2014/main" id="{FDE1F069-6730-56A1-AC2E-DE662AD4FB62}"/>
-              </a:ext>
-            </a:extLst>
-          </p:cNvPr>
-          <p:cNvSpPr>
-            <a:spLocks noGrp="1"/>
-          </p:cNvSpPr>
-          <p:nvPr>
-            <p:ph type="title"/>
-          </p:nvPr>
-        </p:nvSpPr>
-        <p:spPr>
-          <a:solidFill>
-            <a:srgbClr val="00B050"/>
-          </a:solidFill>
-          <a:ln w="57150">
-            <a:solidFill>
-              <a:schemeClr val="accent6">
-                <a:lumMod val="50000"/>
-              </a:schemeClr>
-            </a:solidFill>
-          </a:ln>
-        </p:spPr>
-        <p:txBody>
-          <a:bodyPr>
-            <a:normAutofit/>
-          </a:bodyPr>
-          <a:lstStyle/>
-          <a:p>
-            <a:r>
-              <a:rPr lang="es-PE" sz="3600" b="1" dirty="0">
-                <a:solidFill>
-                  <a:schemeClr val="bg1"/>
-                </a:solidFill>
-                <a:latin typeface="Roboto" panose="02000000000000000000" pitchFamily="2" charset="0"/>
-                <a:ea typeface="Roboto" panose="02000000000000000000" pitchFamily="2" charset="0"/>
-              </a:rPr>
-              <a:t>FUNCIONALIDADES</a:t>
-            </a:r>
-            <a:endParaRPr lang="en-US" sz="3600" b="1" dirty="0">
-              <a:solidFill>
-                <a:schemeClr val="bg1"/>
-              </a:solidFill>
-              <a:latin typeface="Roboto" panose="02000000000000000000" pitchFamily="2" charset="0"/>
-              <a:ea typeface="Roboto" panose="02000000000000000000" pitchFamily="2" charset="0"/>
-            </a:endParaRPr>
-          </a:p>
-        </p:txBody>
-      </p:sp>
-      <p:sp>
-        <p:nvSpPr>
-          <p:cNvPr id="3" name="Marcador de contenido 2">
-            <a:extLst>
-              <a:ext uri="{FF2B5EF4-FFF2-40B4-BE49-F238E27FC236}">
-                <a16:creationId xmlns:a16="http://schemas.microsoft.com/office/drawing/2014/main" id="{874E6F21-34CC-A2DB-B410-05E99071F264}"/>
-              </a:ext>
-            </a:extLst>
-          </p:cNvPr>
-          <p:cNvSpPr>
-            <a:spLocks noGrp="1"/>
-          </p:cNvSpPr>
-          <p:nvPr>
-            <p:ph idx="1"/>
-          </p:nvPr>
-        </p:nvSpPr>
-        <p:spPr/>
-        <p:txBody>
-          <a:bodyPr anchor="ctr"/>
-          <a:lstStyle/>
-          <a:p>
-            <a:pPr marL="285750" indent="-285750">
-              <a:buFont typeface="Arial" panose="020B0604020202020204" pitchFamily="34" charset="0"/>
-              <a:buChar char="•"/>
-            </a:pPr>
-            <a:r>
-              <a:rPr lang="es-ES" dirty="0">
-                <a:latin typeface="Roboto" panose="02000000000000000000" pitchFamily="2" charset="0"/>
-                <a:ea typeface="Roboto" panose="02000000000000000000" pitchFamily="2" charset="0"/>
-              </a:rPr>
-              <a:t>El usuario puede subir una imagen de una planta y la aplicación debe retornar una clasificación.</a:t>
-            </a:r>
-          </a:p>
-          <a:p>
-            <a:pPr marL="285750" indent="-285750">
-              <a:buFont typeface="Arial" panose="020B0604020202020204" pitchFamily="34" charset="0"/>
-              <a:buChar char="•"/>
-            </a:pPr>
-            <a:r>
-              <a:rPr lang="es-ES" dirty="0">
-                <a:latin typeface="Roboto" panose="02000000000000000000" pitchFamily="2" charset="0"/>
-                <a:ea typeface="Roboto" panose="02000000000000000000" pitchFamily="2" charset="0"/>
-              </a:rPr>
-              <a:t>El usuario puede subir múltiples imágenes de plantas y la aplicación debe retornar la clasificación de cada una.</a:t>
-            </a:r>
-          </a:p>
-          <a:p>
-            <a:pPr marL="285750" indent="-285750">
-              <a:buFont typeface="Arial" panose="020B0604020202020204" pitchFamily="34" charset="0"/>
-              <a:buChar char="•"/>
-            </a:pPr>
-            <a:r>
-              <a:rPr lang="es-ES" dirty="0">
-                <a:latin typeface="Roboto" panose="02000000000000000000" pitchFamily="2" charset="0"/>
-                <a:ea typeface="Roboto" panose="02000000000000000000" pitchFamily="2" charset="0"/>
-              </a:rPr>
-              <a:t>El </a:t>
-            </a:r>
-            <a:r>
-              <a:rPr lang="es-ES" dirty="0" err="1">
-                <a:latin typeface="Roboto" panose="02000000000000000000" pitchFamily="2" charset="0"/>
-                <a:ea typeface="Roboto" panose="02000000000000000000" pitchFamily="2" charset="0"/>
-              </a:rPr>
-              <a:t>deployment</a:t>
-            </a:r>
-            <a:r>
-              <a:rPr lang="es-ES" dirty="0">
-                <a:latin typeface="Roboto" panose="02000000000000000000" pitchFamily="2" charset="0"/>
-                <a:ea typeface="Roboto" panose="02000000000000000000" pitchFamily="2" charset="0"/>
-              </a:rPr>
-              <a:t> de la aplicación es con </a:t>
-            </a:r>
-            <a:r>
-              <a:rPr lang="es-ES" dirty="0" err="1">
-                <a:latin typeface="Roboto" panose="02000000000000000000" pitchFamily="2" charset="0"/>
-                <a:ea typeface="Roboto" panose="02000000000000000000" pitchFamily="2" charset="0"/>
-              </a:rPr>
-              <a:t>Streamlit</a:t>
-            </a:r>
-            <a:r>
-              <a:rPr lang="es-ES" dirty="0">
-                <a:latin typeface="Roboto" panose="02000000000000000000" pitchFamily="2" charset="0"/>
-                <a:ea typeface="Roboto" panose="02000000000000000000" pitchFamily="2" charset="0"/>
-              </a:rPr>
-              <a:t>.</a:t>
-            </a:r>
-          </a:p>
-          <a:p>
-            <a:pPr marL="285750" indent="-285750">
-              <a:buFont typeface="Arial" panose="020B0604020202020204" pitchFamily="34" charset="0"/>
-              <a:buChar char="•"/>
-            </a:pPr>
-            <a:r>
-              <a:rPr lang="es-ES" dirty="0">
-                <a:latin typeface="Roboto" panose="02000000000000000000" pitchFamily="2" charset="0"/>
-                <a:ea typeface="Roboto" panose="02000000000000000000" pitchFamily="2" charset="0"/>
-              </a:rPr>
-              <a:t>Los resultados de la aplicación se guardan de manera </a:t>
-            </a:r>
-            <a:r>
-              <a:rPr lang="es-ES" dirty="0" err="1">
-                <a:latin typeface="Roboto" panose="02000000000000000000" pitchFamily="2" charset="0"/>
-                <a:ea typeface="Roboto" panose="02000000000000000000" pitchFamily="2" charset="0"/>
-              </a:rPr>
-              <a:t>serverless</a:t>
-            </a:r>
-            <a:r>
-              <a:rPr lang="es-ES" dirty="0">
-                <a:latin typeface="Roboto" panose="02000000000000000000" pitchFamily="2" charset="0"/>
-                <a:ea typeface="Roboto" panose="02000000000000000000" pitchFamily="2" charset="0"/>
-              </a:rPr>
-              <a:t>.</a:t>
-            </a:r>
-          </a:p>
-          <a:p>
-            <a:pPr marL="285750" indent="-285750">
-              <a:buFont typeface="Arial" panose="020B0604020202020204" pitchFamily="34" charset="0"/>
-              <a:buChar char="•"/>
-            </a:pPr>
-            <a:r>
-              <a:rPr lang="es-ES" dirty="0">
-                <a:latin typeface="Roboto" panose="02000000000000000000" pitchFamily="2" charset="0"/>
-                <a:ea typeface="Roboto" panose="02000000000000000000" pitchFamily="2" charset="0"/>
-              </a:rPr>
-              <a:t>La aplicación está disponible en inglés (y en español).</a:t>
-            </a:r>
-          </a:p>
-        </p:txBody>
-      </p:sp>
-      <mc:AlternateContent xmlns:mc="http://schemas.openxmlformats.org/markup-compatibility/2006">
-        <mc:Choice xmlns:p14="http://schemas.microsoft.com/office/powerpoint/2010/main" Requires="p14">
-          <p:contentPart p14:bwMode="auto" r:id="rId2">
-            <p14:nvContentPartPr>
-              <p14:cNvPr id="4" name="Entrada de lápiz 3">
-                <a:extLst>
-                  <a:ext uri="{FF2B5EF4-FFF2-40B4-BE49-F238E27FC236}">
-                    <a16:creationId xmlns:a16="http://schemas.microsoft.com/office/drawing/2014/main" id="{4A49E964-2E2F-7B4D-2BFE-98F95D1299B2}"/>
-                  </a:ext>
-                </a:extLst>
-              </p14:cNvPr>
-              <p14:cNvContentPartPr/>
-              <p14:nvPr/>
-            </p14:nvContentPartPr>
-            <p14:xfrm>
-              <a:off x="135400" y="6070520"/>
-              <a:ext cx="1134360" cy="567000"/>
-            </p14:xfrm>
-          </p:contentPart>
-        </mc:Choice>
-        <mc:Fallback>
-          <p:pic>
-            <p:nvPicPr>
-              <p:cNvPr id="4" name="Entrada de lápiz 3">
-                <a:extLst>
-                  <a:ext uri="{FF2B5EF4-FFF2-40B4-BE49-F238E27FC236}">
-                    <a16:creationId xmlns:a16="http://schemas.microsoft.com/office/drawing/2014/main" id="{4A49E964-2E2F-7B4D-2BFE-98F95D1299B2}"/>
-                  </a:ext>
-                </a:extLst>
-              </p:cNvPr>
-              <p:cNvPicPr/>
-              <p:nvPr/>
-            </p:nvPicPr>
-            <p:blipFill>
-              <a:blip r:embed="rId3"/>
-              <a:stretch>
-                <a:fillRect/>
-              </a:stretch>
-            </p:blipFill>
-            <p:spPr>
-              <a:xfrm>
-                <a:off x="99400" y="6034880"/>
-                <a:ext cx="1206000" cy="638640"/>
-              </a:xfrm>
-              <a:prstGeom prst="rect">
-                <a:avLst/>
-              </a:prstGeom>
-            </p:spPr>
-          </p:pic>
-        </mc:Fallback>
-      </mc:AlternateContent>
-      <mc:AlternateContent xmlns:mc="http://schemas.openxmlformats.org/markup-compatibility/2006">
-        <mc:Choice xmlns:p14="http://schemas.microsoft.com/office/powerpoint/2010/main" Requires="p14">
-          <p:contentPart p14:bwMode="auto" r:id="rId4">
-            <p14:nvContentPartPr>
-              <p14:cNvPr id="6" name="Entrada de lápiz 5">
-                <a:extLst>
-                  <a:ext uri="{FF2B5EF4-FFF2-40B4-BE49-F238E27FC236}">
-                    <a16:creationId xmlns:a16="http://schemas.microsoft.com/office/drawing/2014/main" id="{F29A9A29-EEB2-6905-045A-4AACB68560D2}"/>
-                  </a:ext>
-                </a:extLst>
-              </p14:cNvPr>
-              <p14:cNvContentPartPr/>
-              <p14:nvPr/>
-            </p14:nvContentPartPr>
-            <p14:xfrm>
-              <a:off x="57280" y="5905898"/>
-              <a:ext cx="1315080" cy="1051920"/>
-            </p14:xfrm>
-          </p:contentPart>
-        </mc:Choice>
-        <mc:Fallback>
-          <p:pic>
-            <p:nvPicPr>
-              <p:cNvPr id="6" name="Entrada de lápiz 5">
-                <a:extLst>
-                  <a:ext uri="{FF2B5EF4-FFF2-40B4-BE49-F238E27FC236}">
-                    <a16:creationId xmlns:a16="http://schemas.microsoft.com/office/drawing/2014/main" id="{F29A9A29-EEB2-6905-045A-4AACB68560D2}"/>
-                  </a:ext>
-                </a:extLst>
-              </p:cNvPr>
-              <p:cNvPicPr/>
-              <p:nvPr/>
-            </p:nvPicPr>
-            <p:blipFill>
-              <a:blip r:embed="rId5"/>
-              <a:stretch>
-                <a:fillRect/>
-              </a:stretch>
-            </p:blipFill>
-            <p:spPr>
-              <a:xfrm>
-                <a:off x="21280" y="5869898"/>
-                <a:ext cx="1386720" cy="1123560"/>
-              </a:xfrm>
-              <a:prstGeom prst="rect">
-                <a:avLst/>
-              </a:prstGeom>
-            </p:spPr>
-          </p:pic>
-        </mc:Fallback>
-      </mc:AlternateContent>
-    </p:spTree>
-    <p:extLst>
-      <p:ext uri="{BB962C8B-B14F-4D97-AF65-F5344CB8AC3E}">
-        <p14:creationId xmlns:p14="http://schemas.microsoft.com/office/powerpoint/2010/main" val="99668938"/>
-      </p:ext>
-    </p:extLst>
-  </p:cSld>
-  <p:clrMapOvr>
-    <a:masterClrMapping/>
-  </p:clrMapOvr>
-</p:sld>
-</file>
-
-<file path=ppt/slides/slide3.xml><?xml version="1.0" encoding="utf-8"?>
-<p:sld xmlns:a="http://schemas.openxmlformats.org/drawingml/2006/main" xmlns:r="http://schemas.openxmlformats.org/officeDocument/2006/relationships" xmlns:p="http://schemas.openxmlformats.org/presentationml/2006/main">
-  <p:cSld>
-    <p:spTree>
-      <p:nvGrpSpPr>
-        <p:cNvPr id="1" name=""/>
-        <p:cNvGrpSpPr/>
-        <p:nvPr/>
-      </p:nvGrpSpPr>
-      <p:grpSpPr>
-        <a:xfrm>
-          <a:off x="0" y="0"/>
-          <a:ext cx="0" cy="0"/>
-          <a:chOff x="0" y="0"/>
-          <a:chExt cx="0" cy="0"/>
-        </a:xfrm>
-      </p:grpSpPr>
-      <p:sp>
-        <p:nvSpPr>
-          <p:cNvPr id="2" name="Título 1">
-            <a:extLst>
-              <a:ext uri="{FF2B5EF4-FFF2-40B4-BE49-F238E27FC236}">
-                <a16:creationId xmlns:a16="http://schemas.microsoft.com/office/drawing/2014/main" id="{BC0A4D76-225F-6339-20BA-135BE8AC50C9}"/>
-              </a:ext>
-            </a:extLst>
-          </p:cNvPr>
-          <p:cNvSpPr>
-            <a:spLocks noGrp="1"/>
-          </p:cNvSpPr>
-          <p:nvPr>
-            <p:ph type="title"/>
-          </p:nvPr>
-        </p:nvSpPr>
-        <p:spPr>
-          <a:solidFill>
-            <a:srgbClr val="00B050"/>
-          </a:solidFill>
-          <a:ln w="57150">
-            <a:solidFill>
-              <a:schemeClr val="accent6">
-                <a:lumMod val="50000"/>
-              </a:schemeClr>
-            </a:solidFill>
-          </a:ln>
-        </p:spPr>
-        <p:txBody>
-          <a:bodyPr vert="horz" lIns="91440" tIns="45720" rIns="91440" bIns="45720" rtlCol="0" anchor="ctr">
-            <a:normAutofit/>
-          </a:bodyPr>
-          <a:lstStyle/>
-          <a:p>
-            <a:r>
-              <a:rPr lang="es-PE" sz="3600" b="1" dirty="0">
-                <a:solidFill>
-                  <a:schemeClr val="bg1"/>
-                </a:solidFill>
-                <a:latin typeface="Roboto" panose="02000000000000000000" pitchFamily="2" charset="0"/>
-                <a:ea typeface="Roboto" panose="02000000000000000000" pitchFamily="2" charset="0"/>
-              </a:rPr>
-              <a:t>ARQUITECTURA</a:t>
-            </a:r>
-            <a:endParaRPr lang="en-US" sz="3600" b="1" dirty="0">
-              <a:solidFill>
-                <a:schemeClr val="bg1"/>
-              </a:solidFill>
-              <a:latin typeface="Roboto" panose="02000000000000000000" pitchFamily="2" charset="0"/>
-              <a:ea typeface="Roboto" panose="02000000000000000000" pitchFamily="2" charset="0"/>
-            </a:endParaRPr>
-          </a:p>
-        </p:txBody>
-      </p:sp>
-      <p:sp>
-        <p:nvSpPr>
-          <p:cNvPr id="3" name="Marcador de contenido 2">
-            <a:extLst>
-              <a:ext uri="{FF2B5EF4-FFF2-40B4-BE49-F238E27FC236}">
-                <a16:creationId xmlns:a16="http://schemas.microsoft.com/office/drawing/2014/main" id="{06F04C67-AC83-4050-F954-C8F521463BA3}"/>
-              </a:ext>
-            </a:extLst>
-          </p:cNvPr>
-          <p:cNvSpPr>
-            <a:spLocks noGrp="1"/>
-          </p:cNvSpPr>
-          <p:nvPr>
-            <p:ph idx="1"/>
-          </p:nvPr>
-        </p:nvSpPr>
-        <p:spPr>
-          <a:xfrm>
-            <a:off x="838200" y="6181003"/>
-            <a:ext cx="10515600" cy="311872"/>
-          </a:xfrm>
-        </p:spPr>
-        <p:txBody>
-          <a:bodyPr>
-            <a:normAutofit/>
-          </a:bodyPr>
-          <a:lstStyle/>
-          <a:p>
-            <a:pPr marL="0" indent="0">
-              <a:buNone/>
-            </a:pPr>
-            <a:r>
-              <a:rPr lang="en-US" sz="1600" dirty="0">
-                <a:hlinkClick r:id="rId2"/>
-              </a:rPr>
-              <a:t>https://medium.com/@thom.e.lane/streamlit-on-aws-a-fully-featured-solution-for-streamlit-deployments-ba32a81c7460</a:t>
-            </a:r>
-            <a:r>
-              <a:rPr lang="en-US" sz="1600" dirty="0"/>
-              <a:t> </a:t>
-            </a:r>
-          </a:p>
-        </p:txBody>
-      </p:sp>
-      <p:pic>
-        <p:nvPicPr>
-          <p:cNvPr id="1026" name="Picture 2" descr="Png - Iconos gratis de archivos y carpetas">
-            <a:extLst>
-              <a:ext uri="{FF2B5EF4-FFF2-40B4-BE49-F238E27FC236}">
-                <a16:creationId xmlns:a16="http://schemas.microsoft.com/office/drawing/2014/main" id="{D76FD87C-3696-E456-E6FF-B41B519D1422}"/>
-              </a:ext>
-            </a:extLst>
-          </p:cNvPr>
-          <p:cNvPicPr>
-            <a:picLocks noChangeAspect="1" noChangeArrowheads="1"/>
-          </p:cNvPicPr>
-          <p:nvPr/>
-        </p:nvPicPr>
-        <p:blipFill>
-          <a:blip r:embed="rId3">
-            <a:extLst>
-              <a:ext uri="{28A0092B-C50C-407E-A947-70E740481C1C}">
-                <a14:useLocalDpi xmlns:a14="http://schemas.microsoft.com/office/drawing/2010/main" val="0"/>
-              </a:ext>
-            </a:extLst>
-          </a:blip>
-          <a:srcRect/>
-          <a:stretch>
-            <a:fillRect/>
-          </a:stretch>
-        </p:blipFill>
-        <p:spPr bwMode="auto">
-          <a:xfrm>
-            <a:off x="471054" y="2654660"/>
-            <a:ext cx="1720273" cy="1720273"/>
-          </a:xfrm>
-          <a:prstGeom prst="rect">
-            <a:avLst/>
-          </a:prstGeom>
-          <a:noFill/>
-          <a:extLst>
-            <a:ext uri="{909E8E84-426E-40DD-AFC4-6F175D3DCCD1}">
-              <a14:hiddenFill xmlns:a14="http://schemas.microsoft.com/office/drawing/2010/main">
-                <a:solidFill>
-                  <a:srgbClr val="FFFFFF"/>
-                </a:solidFill>
-              </a14:hiddenFill>
-            </a:ext>
-          </a:extLst>
-        </p:spPr>
-      </p:pic>
-      <p:pic>
-        <p:nvPicPr>
-          <p:cNvPr id="1028" name="Picture 4" descr="Streamlit Raises $21M in Series A Funding From GGV Capital and Gradient  Ventures to Amplify the Impact of Data Science and Machine Learning |  Business Wire">
-            <a:extLst>
-              <a:ext uri="{FF2B5EF4-FFF2-40B4-BE49-F238E27FC236}">
-                <a16:creationId xmlns:a16="http://schemas.microsoft.com/office/drawing/2014/main" id="{41800B25-3558-9C01-4277-8574B5871775}"/>
-              </a:ext>
-            </a:extLst>
-          </p:cNvPr>
-          <p:cNvPicPr>
-            <a:picLocks noChangeAspect="1" noChangeArrowheads="1"/>
-          </p:cNvPicPr>
-          <p:nvPr/>
-        </p:nvPicPr>
-        <p:blipFill rotWithShape="1">
-          <a:blip r:embed="rId4">
-            <a:extLst>
-              <a:ext uri="{28A0092B-C50C-407E-A947-70E740481C1C}">
-                <a14:useLocalDpi xmlns:a14="http://schemas.microsoft.com/office/drawing/2010/main" val="0"/>
-              </a:ext>
-            </a:extLst>
-          </a:blip>
-          <a:srcRect l="19213" t="20893" r="18162" b="19880"/>
-          <a:stretch/>
-        </p:blipFill>
-        <p:spPr bwMode="auto">
-          <a:xfrm>
-            <a:off x="2975304" y="2747097"/>
-            <a:ext cx="3120696" cy="1542039"/>
-          </a:xfrm>
-          <a:prstGeom prst="rect">
-            <a:avLst/>
-          </a:prstGeom>
-          <a:noFill/>
-          <a:extLst>
-            <a:ext uri="{909E8E84-426E-40DD-AFC4-6F175D3DCCD1}">
-              <a14:hiddenFill xmlns:a14="http://schemas.microsoft.com/office/drawing/2010/main">
-                <a:solidFill>
-                  <a:srgbClr val="FFFFFF"/>
-                </a:solidFill>
-              </a14:hiddenFill>
-            </a:ext>
-          </a:extLst>
-        </p:spPr>
-      </p:pic>
-      <p:pic>
-        <p:nvPicPr>
-          <p:cNvPr id="1030" name="Picture 6">
-            <a:extLst>
-              <a:ext uri="{FF2B5EF4-FFF2-40B4-BE49-F238E27FC236}">
-                <a16:creationId xmlns:a16="http://schemas.microsoft.com/office/drawing/2014/main" id="{4EE7346C-1D3A-BBAF-EFAF-5BCE9DD22A52}"/>
-              </a:ext>
-            </a:extLst>
-          </p:cNvPr>
-          <p:cNvPicPr>
-            <a:picLocks noChangeAspect="1" noChangeArrowheads="1"/>
-          </p:cNvPicPr>
-          <p:nvPr/>
-        </p:nvPicPr>
-        <p:blipFill rotWithShape="1">
-          <a:blip r:embed="rId5">
-            <a:extLst>
-              <a:ext uri="{28A0092B-C50C-407E-A947-70E740481C1C}">
-                <a14:useLocalDpi xmlns:a14="http://schemas.microsoft.com/office/drawing/2010/main" val="0"/>
-              </a:ext>
-            </a:extLst>
-          </a:blip>
-          <a:srcRect l="7411" t="6334" r="5840" b="10423"/>
-          <a:stretch/>
-        </p:blipFill>
-        <p:spPr bwMode="auto">
-          <a:xfrm>
-            <a:off x="6879977" y="2568863"/>
-            <a:ext cx="4993901" cy="2189018"/>
-          </a:xfrm>
-          <a:prstGeom prst="rect">
-            <a:avLst/>
-          </a:prstGeom>
-          <a:noFill/>
-          <a:extLst>
-            <a:ext uri="{909E8E84-426E-40DD-AFC4-6F175D3DCCD1}">
-              <a14:hiddenFill xmlns:a14="http://schemas.microsoft.com/office/drawing/2010/main">
-                <a:solidFill>
-                  <a:srgbClr val="FFFFFF"/>
-                </a:solidFill>
-              </a14:hiddenFill>
-            </a:ext>
-          </a:extLst>
-        </p:spPr>
-      </p:pic>
-      <p:pic>
-        <p:nvPicPr>
-          <p:cNvPr id="5" name="Imagen 4">
-            <a:extLst>
-              <a:ext uri="{FF2B5EF4-FFF2-40B4-BE49-F238E27FC236}">
-                <a16:creationId xmlns:a16="http://schemas.microsoft.com/office/drawing/2014/main" id="{C8B0F2A9-59B6-6E2C-74EA-9FF8B4F7ED95}"/>
-              </a:ext>
-            </a:extLst>
-          </p:cNvPr>
-          <p:cNvPicPr>
-            <a:picLocks noChangeAspect="1"/>
-          </p:cNvPicPr>
-          <p:nvPr/>
-        </p:nvPicPr>
-        <p:blipFill rotWithShape="1">
-          <a:blip r:embed="rId6">
-            <a:extLst>
-              <a:ext uri="{BEBA8EAE-BF5A-486C-A8C5-ECC9F3942E4B}">
-                <a14:imgProps xmlns:a14="http://schemas.microsoft.com/office/drawing/2010/main">
-                  <a14:imgLayer r:embed="rId7">
-                    <a14:imgEffect>
-                      <a14:backgroundRemoval t="19364" b="91329" l="6053" r="95884">
-                        <a14:foregroundMark x1="27119" y1="44798" x2="27119" y2="44798"/>
-                        <a14:foregroundMark x1="39225" y1="47110" x2="39225" y2="47110"/>
-                        <a14:foregroundMark x1="39225" y1="35260" x2="39225" y2="35260"/>
-                        <a14:foregroundMark x1="52300" y1="35260" x2="52300" y2="35260"/>
-                        <a14:foregroundMark x1="52785" y1="45954" x2="52785" y2="45954"/>
-                        <a14:foregroundMark x1="60291" y1="46532" x2="60291" y2="46532"/>
-                        <a14:foregroundMark x1="92736" y1="48844" x2="92736" y2="48844"/>
-                        <a14:foregroundMark x1="95884" y1="47977" x2="95884" y2="47977"/>
-                        <a14:foregroundMark x1="44310" y1="89017" x2="44310" y2="89017"/>
-                        <a14:foregroundMark x1="9927" y1="67919" x2="9927" y2="67919"/>
-                        <a14:foregroundMark x1="38257" y1="91618" x2="38257" y2="91618"/>
-                        <a14:foregroundMark x1="6053" y1="62139" x2="6053" y2="62139"/>
-                        <a14:foregroundMark x1="18886" y1="45954" x2="18886" y2="45954"/>
-                        <a14:foregroundMark x1="27361" y1="34971" x2="27361" y2="34971"/>
-                        <a14:foregroundMark x1="50121" y1="23699" x2="50121" y2="23699"/>
-                      </a14:backgroundRemoval>
-                    </a14:imgEffect>
-                  </a14:imgLayer>
-                </a14:imgProps>
-              </a:ext>
-            </a:extLst>
-          </a:blip>
-          <a:srcRect l="4451" t="12936" r="1867" b="5509"/>
-          <a:stretch/>
-        </p:blipFill>
-        <p:spPr>
-          <a:xfrm>
-            <a:off x="6473577" y="4933310"/>
-            <a:ext cx="1173020" cy="855510"/>
-          </a:xfrm>
-          <a:prstGeom prst="rect">
-            <a:avLst/>
-          </a:prstGeom>
-        </p:spPr>
-      </p:pic>
-      <p:pic>
-        <p:nvPicPr>
-          <p:cNvPr id="1032" name="Picture 8" descr="Spark Logo">
-            <a:extLst>
-              <a:ext uri="{FF2B5EF4-FFF2-40B4-BE49-F238E27FC236}">
-                <a16:creationId xmlns:a16="http://schemas.microsoft.com/office/drawing/2014/main" id="{8F0775F5-58DB-8422-A4E1-5DA50BB00A2C}"/>
-              </a:ext>
-            </a:extLst>
-          </p:cNvPr>
-          <p:cNvPicPr>
-            <a:picLocks noChangeAspect="1" noChangeArrowheads="1"/>
-          </p:cNvPicPr>
-          <p:nvPr/>
-        </p:nvPicPr>
-        <p:blipFill>
-          <a:blip r:embed="rId8">
-            <a:extLst>
-              <a:ext uri="{28A0092B-C50C-407E-A947-70E740481C1C}">
-                <a14:useLocalDpi xmlns:a14="http://schemas.microsoft.com/office/drawing/2010/main" val="0"/>
-              </a:ext>
-            </a:extLst>
-          </a:blip>
-          <a:srcRect/>
-          <a:stretch>
-            <a:fillRect/>
-          </a:stretch>
-        </p:blipFill>
-        <p:spPr bwMode="auto">
-          <a:xfrm>
-            <a:off x="7794934" y="4939688"/>
-            <a:ext cx="1487055" cy="772184"/>
-          </a:xfrm>
-          <a:prstGeom prst="rect">
-            <a:avLst/>
-          </a:prstGeom>
-          <a:noFill/>
-          <a:extLst>
-            <a:ext uri="{909E8E84-426E-40DD-AFC4-6F175D3DCCD1}">
-              <a14:hiddenFill xmlns:a14="http://schemas.microsoft.com/office/drawing/2010/main">
-                <a:solidFill>
-                  <a:srgbClr val="FFFFFF"/>
-                </a:solidFill>
-              </a14:hiddenFill>
-            </a:ext>
-          </a:extLst>
-        </p:spPr>
-      </p:pic>
-      <p:pic>
-        <p:nvPicPr>
-          <p:cNvPr id="1034" name="Picture 10">
-            <a:extLst>
-              <a:ext uri="{FF2B5EF4-FFF2-40B4-BE49-F238E27FC236}">
-                <a16:creationId xmlns:a16="http://schemas.microsoft.com/office/drawing/2014/main" id="{253F2845-484D-C64B-DFAD-6C110818826F}"/>
-              </a:ext>
-            </a:extLst>
-          </p:cNvPr>
-          <p:cNvPicPr>
-            <a:picLocks noChangeAspect="1" noChangeArrowheads="1"/>
-          </p:cNvPicPr>
-          <p:nvPr/>
-        </p:nvPicPr>
-        <p:blipFill rotWithShape="1">
-          <a:blip r:embed="rId9">
-            <a:extLst>
-              <a:ext uri="{28A0092B-C50C-407E-A947-70E740481C1C}">
-                <a14:useLocalDpi xmlns:a14="http://schemas.microsoft.com/office/drawing/2010/main" val="0"/>
-              </a:ext>
-            </a:extLst>
-          </a:blip>
-          <a:srcRect r="61269"/>
-          <a:stretch/>
-        </p:blipFill>
-        <p:spPr bwMode="auto">
-          <a:xfrm>
-            <a:off x="9430326" y="4933310"/>
-            <a:ext cx="1087511" cy="811645"/>
-          </a:xfrm>
-          <a:prstGeom prst="rect">
-            <a:avLst/>
-          </a:prstGeom>
-          <a:noFill/>
-          <a:extLst>
-            <a:ext uri="{909E8E84-426E-40DD-AFC4-6F175D3DCCD1}">
-              <a14:hiddenFill xmlns:a14="http://schemas.microsoft.com/office/drawing/2010/main">
-                <a:solidFill>
-                  <a:srgbClr val="FFFFFF"/>
-                </a:solidFill>
-              </a14:hiddenFill>
-            </a:ext>
-          </a:extLst>
-        </p:spPr>
-      </p:pic>
-      <p:pic>
-        <p:nvPicPr>
-          <p:cNvPr id="1036" name="Picture 12">
-            <a:extLst>
-              <a:ext uri="{FF2B5EF4-FFF2-40B4-BE49-F238E27FC236}">
-                <a16:creationId xmlns:a16="http://schemas.microsoft.com/office/drawing/2014/main" id="{0DC21C94-A51B-253B-6BDA-75E1B301FF00}"/>
-              </a:ext>
-            </a:extLst>
-          </p:cNvPr>
-          <p:cNvPicPr>
-            <a:picLocks noChangeAspect="1" noChangeArrowheads="1"/>
-          </p:cNvPicPr>
-          <p:nvPr/>
-        </p:nvPicPr>
-        <p:blipFill>
-          <a:blip r:embed="rId10">
-            <a:extLst>
-              <a:ext uri="{28A0092B-C50C-407E-A947-70E740481C1C}">
-                <a14:useLocalDpi xmlns:a14="http://schemas.microsoft.com/office/drawing/2010/main" val="0"/>
-              </a:ext>
-            </a:extLst>
-          </a:blip>
-          <a:srcRect/>
-          <a:stretch>
-            <a:fillRect/>
-          </a:stretch>
-        </p:blipFill>
-        <p:spPr bwMode="auto">
-          <a:xfrm>
-            <a:off x="10666174" y="4757881"/>
-            <a:ext cx="1087511" cy="1055978"/>
-          </a:xfrm>
-          <a:prstGeom prst="rect">
-            <a:avLst/>
-          </a:prstGeom>
-          <a:noFill/>
-          <a:extLst>
-            <a:ext uri="{909E8E84-426E-40DD-AFC4-6F175D3DCCD1}">
-              <a14:hiddenFill xmlns:a14="http://schemas.microsoft.com/office/drawing/2010/main">
-                <a:solidFill>
-                  <a:srgbClr val="FFFFFF"/>
-                </a:solidFill>
-              </a14:hiddenFill>
-            </a:ext>
-          </a:extLst>
-        </p:spPr>
-      </p:pic>
-      <p:cxnSp>
-        <p:nvCxnSpPr>
-          <p:cNvPr id="7" name="Conector recto de flecha 6">
-            <a:extLst>
-              <a:ext uri="{FF2B5EF4-FFF2-40B4-BE49-F238E27FC236}">
-                <a16:creationId xmlns:a16="http://schemas.microsoft.com/office/drawing/2014/main" id="{C0EC9095-152C-0019-89A3-6952BE76057A}"/>
-              </a:ext>
-            </a:extLst>
-          </p:cNvPr>
-          <p:cNvCxnSpPr>
-            <a:stCxn id="1026" idx="3"/>
-            <a:endCxn id="1028" idx="1"/>
-          </p:cNvCxnSpPr>
-          <p:nvPr/>
-        </p:nvCxnSpPr>
-        <p:spPr>
-          <a:xfrm>
-            <a:off x="2191327" y="3514797"/>
-            <a:ext cx="783977" cy="3320"/>
-          </a:xfrm>
-          <a:prstGeom prst="straightConnector1">
-            <a:avLst/>
-          </a:prstGeom>
-          <a:ln w="38100">
-            <a:solidFill>
-              <a:srgbClr val="00B050"/>
-            </a:solidFill>
-            <a:tailEnd type="triangle"/>
-          </a:ln>
-        </p:spPr>
-        <p:style>
-          <a:lnRef idx="1">
-            <a:schemeClr val="accent1"/>
-          </a:lnRef>
-          <a:fillRef idx="0">
-            <a:schemeClr val="accent1"/>
-          </a:fillRef>
-          <a:effectRef idx="0">
-            <a:schemeClr val="accent1"/>
-          </a:effectRef>
-          <a:fontRef idx="minor">
-            <a:schemeClr val="tx1"/>
-          </a:fontRef>
-        </p:style>
-      </p:cxnSp>
-      <p:cxnSp>
-        <p:nvCxnSpPr>
-          <p:cNvPr id="9" name="Conector recto de flecha 8">
-            <a:extLst>
-              <a:ext uri="{FF2B5EF4-FFF2-40B4-BE49-F238E27FC236}">
-                <a16:creationId xmlns:a16="http://schemas.microsoft.com/office/drawing/2014/main" id="{9CEC8A4B-18BB-4885-D008-CDC64C7CD1D5}"/>
-              </a:ext>
-            </a:extLst>
-          </p:cNvPr>
-          <p:cNvCxnSpPr/>
-          <p:nvPr/>
-        </p:nvCxnSpPr>
-        <p:spPr>
-          <a:xfrm>
-            <a:off x="6096000" y="3842688"/>
-            <a:ext cx="783977" cy="3320"/>
-          </a:xfrm>
-          <a:prstGeom prst="straightConnector1">
-            <a:avLst/>
-          </a:prstGeom>
-          <a:ln w="38100">
-            <a:solidFill>
-              <a:srgbClr val="00B050"/>
-            </a:solidFill>
-            <a:tailEnd type="triangle"/>
-          </a:ln>
-        </p:spPr>
-        <p:style>
-          <a:lnRef idx="1">
-            <a:schemeClr val="accent1"/>
-          </a:lnRef>
-          <a:fillRef idx="0">
-            <a:schemeClr val="accent1"/>
-          </a:fillRef>
-          <a:effectRef idx="0">
-            <a:schemeClr val="accent1"/>
-          </a:effectRef>
-          <a:fontRef idx="minor">
-            <a:schemeClr val="tx1"/>
-          </a:fontRef>
-        </p:style>
-      </p:cxnSp>
-      <p:cxnSp>
-        <p:nvCxnSpPr>
-          <p:cNvPr id="10" name="Conector recto de flecha 9">
-            <a:extLst>
-              <a:ext uri="{FF2B5EF4-FFF2-40B4-BE49-F238E27FC236}">
-                <a16:creationId xmlns:a16="http://schemas.microsoft.com/office/drawing/2014/main" id="{C39D41C3-D8E7-162B-F638-5915C26BE999}"/>
-              </a:ext>
-            </a:extLst>
-          </p:cNvPr>
-          <p:cNvCxnSpPr>
-            <a:cxnSpLocks/>
-          </p:cNvCxnSpPr>
-          <p:nvPr/>
-        </p:nvCxnSpPr>
-        <p:spPr>
-          <a:xfrm flipH="1">
-            <a:off x="6081588" y="3447185"/>
-            <a:ext cx="783977" cy="3320"/>
-          </a:xfrm>
-          <a:prstGeom prst="straightConnector1">
-            <a:avLst/>
-          </a:prstGeom>
-          <a:ln w="38100">
-            <a:solidFill>
-              <a:srgbClr val="00B050"/>
-            </a:solidFill>
-            <a:tailEnd type="triangle"/>
-          </a:ln>
-        </p:spPr>
-        <p:style>
-          <a:lnRef idx="1">
-            <a:schemeClr val="accent1"/>
-          </a:lnRef>
-          <a:fillRef idx="0">
-            <a:schemeClr val="accent1"/>
-          </a:fillRef>
-          <a:effectRef idx="0">
-            <a:schemeClr val="accent1"/>
-          </a:effectRef>
-          <a:fontRef idx="minor">
-            <a:schemeClr val="tx1"/>
-          </a:fontRef>
-        </p:style>
-      </p:cxnSp>
-    </p:spTree>
-    <p:extLst>
-      <p:ext uri="{BB962C8B-B14F-4D97-AF65-F5344CB8AC3E}">
-        <p14:creationId xmlns:p14="http://schemas.microsoft.com/office/powerpoint/2010/main" val="3515436832"/>
-      </p:ext>
-    </p:extLst>
-  </p:cSld>
-  <p:clrMapOvr>
-    <a:masterClrMapping/>
-  </p:clrMapOvr>
-</p:sld>
-</file>
-
-<file path=ppt/slides/slide4.xml><?xml version="1.0" encoding="utf-8"?>
-<p:sld xmlns:a="http://schemas.openxmlformats.org/drawingml/2006/main" xmlns:r="http://schemas.openxmlformats.org/officeDocument/2006/relationships" xmlns:p="http://schemas.openxmlformats.org/presentationml/2006/main">
-  <p:cSld>
-    <p:spTree>
-      <p:nvGrpSpPr>
-        <p:cNvPr id="1" name=""/>
-        <p:cNvGrpSpPr/>
-        <p:nvPr/>
-      </p:nvGrpSpPr>
-      <p:grpSpPr>
-        <a:xfrm>
-          <a:off x="0" y="0"/>
-          <a:ext cx="0" cy="0"/>
-          <a:chOff x="0" y="0"/>
-          <a:chExt cx="0" cy="0"/>
-        </a:xfrm>
-      </p:grpSpPr>
-      <p:sp>
-        <p:nvSpPr>
-          <p:cNvPr id="2" name="Título 1">
-            <a:extLst>
-              <a:ext uri="{FF2B5EF4-FFF2-40B4-BE49-F238E27FC236}">
                 <a16:creationId xmlns:a16="http://schemas.microsoft.com/office/drawing/2014/main" id="{187C5346-AA64-A5F0-2187-5E9FBB198090}"/>
               </a:ext>
             </a:extLst>
@@ -5574,7 +4787,584 @@
 </p:sld>
 </file>
 
+<file path=ppt/slides/slide3.xml><?xml version="1.0" encoding="utf-8"?>
+<p:sld xmlns:a="http://schemas.openxmlformats.org/drawingml/2006/main" xmlns:r="http://schemas.openxmlformats.org/officeDocument/2006/relationships" xmlns:p="http://schemas.openxmlformats.org/presentationml/2006/main">
+  <p:cSld>
+    <p:spTree>
+      <p:nvGrpSpPr>
+        <p:cNvPr id="1" name=""/>
+        <p:cNvGrpSpPr/>
+        <p:nvPr/>
+      </p:nvGrpSpPr>
+      <p:grpSpPr>
+        <a:xfrm>
+          <a:off x="0" y="0"/>
+          <a:ext cx="0" cy="0"/>
+          <a:chOff x="0" y="0"/>
+          <a:chExt cx="0" cy="0"/>
+        </a:xfrm>
+      </p:grpSpPr>
+      <p:sp>
+        <p:nvSpPr>
+          <p:cNvPr id="2" name="Título 1">
+            <a:extLst>
+              <a:ext uri="{FF2B5EF4-FFF2-40B4-BE49-F238E27FC236}">
+                <a16:creationId xmlns:a16="http://schemas.microsoft.com/office/drawing/2014/main" id="{66D137AD-B654-9E8D-9264-6F22E5555160}"/>
+              </a:ext>
+            </a:extLst>
+          </p:cNvPr>
+          <p:cNvSpPr>
+            <a:spLocks noGrp="1"/>
+          </p:cNvSpPr>
+          <p:nvPr>
+            <p:ph type="title"/>
+          </p:nvPr>
+        </p:nvSpPr>
+        <p:spPr/>
+        <p:txBody>
+          <a:bodyPr/>
+          <a:lstStyle/>
+          <a:p>
+            <a:endParaRPr lang="en-US"/>
+          </a:p>
+        </p:txBody>
+      </p:sp>
+      <p:sp>
+        <p:nvSpPr>
+          <p:cNvPr id="3" name="Marcador de texto 2">
+            <a:extLst>
+              <a:ext uri="{FF2B5EF4-FFF2-40B4-BE49-F238E27FC236}">
+                <a16:creationId xmlns:a16="http://schemas.microsoft.com/office/drawing/2014/main" id="{8843CB1E-F661-3968-C0FD-20EDE11587FA}"/>
+              </a:ext>
+            </a:extLst>
+          </p:cNvPr>
+          <p:cNvSpPr>
+            <a:spLocks noGrp="1"/>
+          </p:cNvSpPr>
+          <p:nvPr>
+            <p:ph type="body" idx="1"/>
+          </p:nvPr>
+        </p:nvSpPr>
+        <p:spPr/>
+        <p:txBody>
+          <a:bodyPr/>
+          <a:lstStyle/>
+          <a:p>
+            <a:endParaRPr lang="en-US"/>
+          </a:p>
+        </p:txBody>
+      </p:sp>
+      <p:sp>
+        <p:nvSpPr>
+          <p:cNvPr id="4" name="Título 1">
+            <a:extLst>
+              <a:ext uri="{FF2B5EF4-FFF2-40B4-BE49-F238E27FC236}">
+                <a16:creationId xmlns:a16="http://schemas.microsoft.com/office/drawing/2014/main" id="{9B3AC863-D0D9-E2BC-F7A3-BE8DF8282E86}"/>
+              </a:ext>
+            </a:extLst>
+          </p:cNvPr>
+          <p:cNvSpPr txBox="1">
+            <a:spLocks/>
+          </p:cNvSpPr>
+          <p:nvPr/>
+        </p:nvSpPr>
+        <p:spPr>
+          <a:xfrm>
+            <a:off x="844550" y="3263900"/>
+            <a:ext cx="10515600" cy="1325563"/>
+          </a:xfrm>
+          <a:prstGeom prst="rect">
+            <a:avLst/>
+          </a:prstGeom>
+          <a:solidFill>
+            <a:srgbClr val="00B050"/>
+          </a:solidFill>
+          <a:ln w="57150">
+            <a:solidFill>
+              <a:schemeClr val="accent6">
+                <a:lumMod val="50000"/>
+              </a:schemeClr>
+            </a:solidFill>
+          </a:ln>
+        </p:spPr>
+        <p:txBody>
+          <a:bodyPr vert="horz" lIns="91440" tIns="45720" rIns="91440" bIns="45720" rtlCol="0" anchor="ctr">
+            <a:normAutofit/>
+          </a:bodyPr>
+          <a:lstStyle>
+            <a:lvl1pPr algn="l" defTabSz="914400" rtl="0" eaLnBrk="1" latinLnBrk="0" hangingPunct="1">
+              <a:lnSpc>
+                <a:spcPct val="90000"/>
+              </a:lnSpc>
+              <a:spcBef>
+                <a:spcPct val="0"/>
+              </a:spcBef>
+              <a:buNone/>
+              <a:defRPr sz="6000" kern="1200">
+                <a:solidFill>
+                  <a:schemeClr val="tx1"/>
+                </a:solidFill>
+                <a:latin typeface="+mj-lt"/>
+                <a:ea typeface="+mj-ea"/>
+                <a:cs typeface="+mj-cs"/>
+              </a:defRPr>
+            </a:lvl1pPr>
+          </a:lstStyle>
+          <a:p>
+            <a:r>
+              <a:rPr lang="es-PE" sz="3600" b="1" dirty="0">
+                <a:solidFill>
+                  <a:schemeClr val="bg1"/>
+                </a:solidFill>
+                <a:latin typeface="Roboto" panose="02000000000000000000" pitchFamily="2" charset="0"/>
+                <a:ea typeface="Roboto" panose="02000000000000000000" pitchFamily="2" charset="0"/>
+              </a:rPr>
+              <a:t>PRUEBAS</a:t>
+            </a:r>
+            <a:endParaRPr lang="en-US" sz="3600" b="1" dirty="0">
+              <a:solidFill>
+                <a:schemeClr val="bg1"/>
+              </a:solidFill>
+              <a:latin typeface="Roboto" panose="02000000000000000000" pitchFamily="2" charset="0"/>
+              <a:ea typeface="Roboto" panose="02000000000000000000" pitchFamily="2" charset="0"/>
+            </a:endParaRPr>
+          </a:p>
+        </p:txBody>
+      </p:sp>
+    </p:spTree>
+    <p:extLst>
+      <p:ext uri="{BB962C8B-B14F-4D97-AF65-F5344CB8AC3E}">
+        <p14:creationId xmlns:p14="http://schemas.microsoft.com/office/powerpoint/2010/main" val="386773890"/>
+      </p:ext>
+    </p:extLst>
+  </p:cSld>
+  <p:clrMapOvr>
+    <a:masterClrMapping/>
+  </p:clrMapOvr>
+</p:sld>
+</file>
+
+<file path=ppt/slides/slide4.xml><?xml version="1.0" encoding="utf-8"?>
+<p:sld xmlns:a="http://schemas.openxmlformats.org/drawingml/2006/main" xmlns:r="http://schemas.openxmlformats.org/officeDocument/2006/relationships" xmlns:p="http://schemas.openxmlformats.org/presentationml/2006/main">
+  <p:cSld>
+    <p:spTree>
+      <p:nvGrpSpPr>
+        <p:cNvPr id="1" name=""/>
+        <p:cNvGrpSpPr/>
+        <p:nvPr/>
+      </p:nvGrpSpPr>
+      <p:grpSpPr>
+        <a:xfrm>
+          <a:off x="0" y="0"/>
+          <a:ext cx="0" cy="0"/>
+          <a:chOff x="0" y="0"/>
+          <a:chExt cx="0" cy="0"/>
+        </a:xfrm>
+      </p:grpSpPr>
+      <p:sp>
+        <p:nvSpPr>
+          <p:cNvPr id="2" name="Título 1">
+            <a:extLst>
+              <a:ext uri="{FF2B5EF4-FFF2-40B4-BE49-F238E27FC236}">
+                <a16:creationId xmlns:a16="http://schemas.microsoft.com/office/drawing/2014/main" id="{8F7B7B29-468C-079A-A7FD-736D6455DA51}"/>
+              </a:ext>
+            </a:extLst>
+          </p:cNvPr>
+          <p:cNvSpPr>
+            <a:spLocks noGrp="1"/>
+          </p:cNvSpPr>
+          <p:nvPr>
+            <p:ph type="title"/>
+          </p:nvPr>
+        </p:nvSpPr>
+        <p:spPr/>
+        <p:txBody>
+          <a:bodyPr/>
+          <a:lstStyle/>
+          <a:p>
+            <a:endParaRPr lang="en-US"/>
+          </a:p>
+        </p:txBody>
+      </p:sp>
+      <p:sp>
+        <p:nvSpPr>
+          <p:cNvPr id="3" name="Marcador de contenido 2">
+            <a:extLst>
+              <a:ext uri="{FF2B5EF4-FFF2-40B4-BE49-F238E27FC236}">
+                <a16:creationId xmlns:a16="http://schemas.microsoft.com/office/drawing/2014/main" id="{E50FA45C-6988-3D5E-0559-627081EC867B}"/>
+              </a:ext>
+            </a:extLst>
+          </p:cNvPr>
+          <p:cNvSpPr>
+            <a:spLocks noGrp="1"/>
+          </p:cNvSpPr>
+          <p:nvPr>
+            <p:ph idx="1"/>
+          </p:nvPr>
+        </p:nvSpPr>
+        <p:spPr/>
+        <p:txBody>
+          <a:bodyPr/>
+          <a:lstStyle/>
+          <a:p>
+            <a:endParaRPr lang="en-US"/>
+          </a:p>
+        </p:txBody>
+      </p:sp>
+      <p:pic>
+        <p:nvPicPr>
+          <p:cNvPr id="5" name="Imagen 4">
+            <a:extLst>
+              <a:ext uri="{FF2B5EF4-FFF2-40B4-BE49-F238E27FC236}">
+                <a16:creationId xmlns:a16="http://schemas.microsoft.com/office/drawing/2014/main" id="{3153C683-4809-E2EC-E125-862355EB6C22}"/>
+              </a:ext>
+            </a:extLst>
+          </p:cNvPr>
+          <p:cNvPicPr>
+            <a:picLocks noChangeAspect="1"/>
+          </p:cNvPicPr>
+          <p:nvPr/>
+        </p:nvPicPr>
+        <p:blipFill>
+          <a:blip r:embed="rId2"/>
+          <a:stretch>
+            <a:fillRect/>
+          </a:stretch>
+        </p:blipFill>
+        <p:spPr>
+          <a:xfrm>
+            <a:off x="1541755" y="0"/>
+            <a:ext cx="9108489" cy="2916543"/>
+          </a:xfrm>
+          <a:prstGeom prst="rect">
+            <a:avLst/>
+          </a:prstGeom>
+        </p:spPr>
+      </p:pic>
+      <p:pic>
+        <p:nvPicPr>
+          <p:cNvPr id="7" name="Imagen 6">
+            <a:extLst>
+              <a:ext uri="{FF2B5EF4-FFF2-40B4-BE49-F238E27FC236}">
+                <a16:creationId xmlns:a16="http://schemas.microsoft.com/office/drawing/2014/main" id="{1AB8865F-F2F8-3C00-E281-A1D3C18180DB}"/>
+              </a:ext>
+            </a:extLst>
+          </p:cNvPr>
+          <p:cNvPicPr>
+            <a:picLocks noChangeAspect="1"/>
+          </p:cNvPicPr>
+          <p:nvPr/>
+        </p:nvPicPr>
+        <p:blipFill>
+          <a:blip r:embed="rId3"/>
+          <a:stretch>
+            <a:fillRect/>
+          </a:stretch>
+        </p:blipFill>
+        <p:spPr>
+          <a:xfrm>
+            <a:off x="1331939" y="3571042"/>
+            <a:ext cx="9528120" cy="3050909"/>
+          </a:xfrm>
+          <a:prstGeom prst="rect">
+            <a:avLst/>
+          </a:prstGeom>
+        </p:spPr>
+      </p:pic>
+    </p:spTree>
+    <p:extLst>
+      <p:ext uri="{BB962C8B-B14F-4D97-AF65-F5344CB8AC3E}">
+        <p14:creationId xmlns:p14="http://schemas.microsoft.com/office/powerpoint/2010/main" val="3950801329"/>
+      </p:ext>
+    </p:extLst>
+  </p:cSld>
+  <p:clrMapOvr>
+    <a:masterClrMapping/>
+  </p:clrMapOvr>
+</p:sld>
+</file>
+
 <file path=ppt/slides/slide5.xml><?xml version="1.0" encoding="utf-8"?>
+<p:sld xmlns:a="http://schemas.openxmlformats.org/drawingml/2006/main" xmlns:r="http://schemas.openxmlformats.org/officeDocument/2006/relationships" xmlns:p="http://schemas.openxmlformats.org/presentationml/2006/main">
+  <p:cSld>
+    <p:spTree>
+      <p:nvGrpSpPr>
+        <p:cNvPr id="1" name=""/>
+        <p:cNvGrpSpPr/>
+        <p:nvPr/>
+      </p:nvGrpSpPr>
+      <p:grpSpPr>
+        <a:xfrm>
+          <a:off x="0" y="0"/>
+          <a:ext cx="0" cy="0"/>
+          <a:chOff x="0" y="0"/>
+          <a:chExt cx="0" cy="0"/>
+        </a:xfrm>
+      </p:grpSpPr>
+      <p:sp>
+        <p:nvSpPr>
+          <p:cNvPr id="2" name="Título 1">
+            <a:extLst>
+              <a:ext uri="{FF2B5EF4-FFF2-40B4-BE49-F238E27FC236}">
+                <a16:creationId xmlns:a16="http://schemas.microsoft.com/office/drawing/2014/main" id="{5CA7DB8A-421A-2C65-E138-B65386ACA02C}"/>
+              </a:ext>
+            </a:extLst>
+          </p:cNvPr>
+          <p:cNvSpPr>
+            <a:spLocks noGrp="1"/>
+          </p:cNvSpPr>
+          <p:nvPr>
+            <p:ph type="title"/>
+          </p:nvPr>
+        </p:nvSpPr>
+        <p:spPr/>
+        <p:txBody>
+          <a:bodyPr/>
+          <a:lstStyle/>
+          <a:p>
+            <a:endParaRPr lang="en-US"/>
+          </a:p>
+        </p:txBody>
+      </p:sp>
+      <p:sp>
+        <p:nvSpPr>
+          <p:cNvPr id="3" name="Marcador de contenido 2">
+            <a:extLst>
+              <a:ext uri="{FF2B5EF4-FFF2-40B4-BE49-F238E27FC236}">
+                <a16:creationId xmlns:a16="http://schemas.microsoft.com/office/drawing/2014/main" id="{382F391F-A2F9-C0F6-ABB4-ADAFB9D4216C}"/>
+              </a:ext>
+            </a:extLst>
+          </p:cNvPr>
+          <p:cNvSpPr>
+            <a:spLocks noGrp="1"/>
+          </p:cNvSpPr>
+          <p:nvPr>
+            <p:ph idx="1"/>
+          </p:nvPr>
+        </p:nvSpPr>
+        <p:spPr/>
+        <p:txBody>
+          <a:bodyPr/>
+          <a:lstStyle/>
+          <a:p>
+            <a:endParaRPr lang="en-US"/>
+          </a:p>
+        </p:txBody>
+      </p:sp>
+      <p:pic>
+        <p:nvPicPr>
+          <p:cNvPr id="5" name="Imagen 4">
+            <a:extLst>
+              <a:ext uri="{FF2B5EF4-FFF2-40B4-BE49-F238E27FC236}">
+                <a16:creationId xmlns:a16="http://schemas.microsoft.com/office/drawing/2014/main" id="{BE5B9425-092D-130D-3D6B-E2008332FD77}"/>
+              </a:ext>
+            </a:extLst>
+          </p:cNvPr>
+          <p:cNvPicPr>
+            <a:picLocks noChangeAspect="1"/>
+          </p:cNvPicPr>
+          <p:nvPr/>
+        </p:nvPicPr>
+        <p:blipFill>
+          <a:blip r:embed="rId2"/>
+          <a:stretch>
+            <a:fillRect/>
+          </a:stretch>
+        </p:blipFill>
+        <p:spPr>
+          <a:xfrm>
+            <a:off x="192901" y="1600200"/>
+            <a:ext cx="5999550" cy="4802188"/>
+          </a:xfrm>
+          <a:prstGeom prst="rect">
+            <a:avLst/>
+          </a:prstGeom>
+        </p:spPr>
+      </p:pic>
+      <p:pic>
+        <p:nvPicPr>
+          <p:cNvPr id="7" name="Imagen 6">
+            <a:extLst>
+              <a:ext uri="{FF2B5EF4-FFF2-40B4-BE49-F238E27FC236}">
+                <a16:creationId xmlns:a16="http://schemas.microsoft.com/office/drawing/2014/main" id="{384FEB2E-3293-369C-D61D-FC9F372D65F2}"/>
+              </a:ext>
+            </a:extLst>
+          </p:cNvPr>
+          <p:cNvPicPr>
+            <a:picLocks noChangeAspect="1"/>
+          </p:cNvPicPr>
+          <p:nvPr/>
+        </p:nvPicPr>
+        <p:blipFill>
+          <a:blip r:embed="rId3"/>
+          <a:stretch>
+            <a:fillRect/>
+          </a:stretch>
+        </p:blipFill>
+        <p:spPr>
+          <a:xfrm>
+            <a:off x="6192451" y="1600200"/>
+            <a:ext cx="5999549" cy="4802187"/>
+          </a:xfrm>
+          <a:prstGeom prst="rect">
+            <a:avLst/>
+          </a:prstGeom>
+        </p:spPr>
+      </p:pic>
+    </p:spTree>
+    <p:extLst>
+      <p:ext uri="{BB962C8B-B14F-4D97-AF65-F5344CB8AC3E}">
+        <p14:creationId xmlns:p14="http://schemas.microsoft.com/office/powerpoint/2010/main" val="181210046"/>
+      </p:ext>
+    </p:extLst>
+  </p:cSld>
+  <p:clrMapOvr>
+    <a:masterClrMapping/>
+  </p:clrMapOvr>
+</p:sld>
+</file>
+
+<file path=ppt/slides/slide6.xml><?xml version="1.0" encoding="utf-8"?>
+<p:sld xmlns:a="http://schemas.openxmlformats.org/drawingml/2006/main" xmlns:r="http://schemas.openxmlformats.org/officeDocument/2006/relationships" xmlns:p="http://schemas.openxmlformats.org/presentationml/2006/main">
+  <p:cSld>
+    <p:spTree>
+      <p:nvGrpSpPr>
+        <p:cNvPr id="1" name=""/>
+        <p:cNvGrpSpPr/>
+        <p:nvPr/>
+      </p:nvGrpSpPr>
+      <p:grpSpPr>
+        <a:xfrm>
+          <a:off x="0" y="0"/>
+          <a:ext cx="0" cy="0"/>
+          <a:chOff x="0" y="0"/>
+          <a:chExt cx="0" cy="0"/>
+        </a:xfrm>
+      </p:grpSpPr>
+      <p:sp>
+        <p:nvSpPr>
+          <p:cNvPr id="2" name="Título 1">
+            <a:extLst>
+              <a:ext uri="{FF2B5EF4-FFF2-40B4-BE49-F238E27FC236}">
+                <a16:creationId xmlns:a16="http://schemas.microsoft.com/office/drawing/2014/main" id="{D3D1CEC9-2BE6-30D3-A6A3-D92EC16A0498}"/>
+              </a:ext>
+            </a:extLst>
+          </p:cNvPr>
+          <p:cNvSpPr>
+            <a:spLocks noGrp="1"/>
+          </p:cNvSpPr>
+          <p:nvPr>
+            <p:ph type="title"/>
+          </p:nvPr>
+        </p:nvSpPr>
+        <p:spPr/>
+        <p:txBody>
+          <a:bodyPr/>
+          <a:lstStyle/>
+          <a:p>
+            <a:endParaRPr lang="en-US"/>
+          </a:p>
+        </p:txBody>
+      </p:sp>
+      <p:sp>
+        <p:nvSpPr>
+          <p:cNvPr id="3" name="Marcador de contenido 2">
+            <a:extLst>
+              <a:ext uri="{FF2B5EF4-FFF2-40B4-BE49-F238E27FC236}">
+                <a16:creationId xmlns:a16="http://schemas.microsoft.com/office/drawing/2014/main" id="{225EF3C7-C81B-6432-ACCC-DEC709BE6FD0}"/>
+              </a:ext>
+            </a:extLst>
+          </p:cNvPr>
+          <p:cNvSpPr>
+            <a:spLocks noGrp="1"/>
+          </p:cNvSpPr>
+          <p:nvPr>
+            <p:ph idx="1"/>
+          </p:nvPr>
+        </p:nvSpPr>
+        <p:spPr/>
+        <p:txBody>
+          <a:bodyPr/>
+          <a:lstStyle/>
+          <a:p>
+            <a:endParaRPr lang="en-US"/>
+          </a:p>
+        </p:txBody>
+      </p:sp>
+      <p:pic>
+        <p:nvPicPr>
+          <p:cNvPr id="5" name="Imagen 4">
+            <a:extLst>
+              <a:ext uri="{FF2B5EF4-FFF2-40B4-BE49-F238E27FC236}">
+                <a16:creationId xmlns:a16="http://schemas.microsoft.com/office/drawing/2014/main" id="{9D68BADE-B99E-E9CD-1F04-79F8DA4474A9}"/>
+              </a:ext>
+            </a:extLst>
+          </p:cNvPr>
+          <p:cNvPicPr>
+            <a:picLocks noChangeAspect="1"/>
+          </p:cNvPicPr>
+          <p:nvPr/>
+        </p:nvPicPr>
+        <p:blipFill>
+          <a:blip r:embed="rId2"/>
+          <a:stretch>
+            <a:fillRect/>
+          </a:stretch>
+        </p:blipFill>
+        <p:spPr>
+          <a:xfrm>
+            <a:off x="2385134" y="365125"/>
+            <a:ext cx="7421732" cy="3182110"/>
+          </a:xfrm>
+          <a:prstGeom prst="rect">
+            <a:avLst/>
+          </a:prstGeom>
+        </p:spPr>
+      </p:pic>
+      <p:pic>
+        <p:nvPicPr>
+          <p:cNvPr id="4" name="Imagen 3">
+            <a:extLst>
+              <a:ext uri="{FF2B5EF4-FFF2-40B4-BE49-F238E27FC236}">
+                <a16:creationId xmlns:a16="http://schemas.microsoft.com/office/drawing/2014/main" id="{E4E73079-881C-6FDD-A267-5E2A4F5BE394}"/>
+              </a:ext>
+            </a:extLst>
+          </p:cNvPr>
+          <p:cNvPicPr>
+            <a:picLocks noChangeAspect="1"/>
+          </p:cNvPicPr>
+          <p:nvPr/>
+        </p:nvPicPr>
+        <p:blipFill>
+          <a:blip r:embed="rId3"/>
+          <a:stretch>
+            <a:fillRect/>
+          </a:stretch>
+        </p:blipFill>
+        <p:spPr>
+          <a:xfrm>
+            <a:off x="1930893" y="2921749"/>
+            <a:ext cx="8330214" cy="3880700"/>
+          </a:xfrm>
+          <a:prstGeom prst="rect">
+            <a:avLst/>
+          </a:prstGeom>
+        </p:spPr>
+      </p:pic>
+    </p:spTree>
+    <p:extLst>
+      <p:ext uri="{BB962C8B-B14F-4D97-AF65-F5344CB8AC3E}">
+        <p14:creationId xmlns:p14="http://schemas.microsoft.com/office/powerpoint/2010/main" val="3334175710"/>
+      </p:ext>
+    </p:extLst>
+  </p:cSld>
+  <p:clrMapOvr>
+    <a:masterClrMapping/>
+  </p:clrMapOvr>
+</p:sld>
+</file>
+
+<file path=ppt/slides/slide7.xml><?xml version="1.0" encoding="utf-8"?>
 <p:sld xmlns:a="http://schemas.openxmlformats.org/drawingml/2006/main" xmlns:r="http://schemas.openxmlformats.org/officeDocument/2006/relationships" xmlns:p="http://schemas.openxmlformats.org/presentationml/2006/main">
   <p:cSld>
     <p:spTree>
